--- a/QByte_presentation.pptx
+++ b/QByte_presentation.pptx
@@ -893,6 +893,788 @@
 </dgm:colorsDef>
 </file>
 
+<file path=ppt/diagrams/colors2.xml><?xml version="1.0" encoding="utf-8"?>
+<dgm:colorsDef xmlns:dgm="http://schemas.openxmlformats.org/drawingml/2006/diagram" xmlns:a="http://schemas.openxmlformats.org/drawingml/2006/main" uniqueId="urn:microsoft.com/office/officeart/2005/8/colors/colorful4">
+  <dgm:title val=""/>
+  <dgm:desc val=""/>
+  <dgm:catLst>
+    <dgm:cat type="colorful" pri="10400"/>
+  </dgm:catLst>
+  <dgm:styleLbl name="node0">
+    <dgm:fillClrLst meth="repeat">
+      <a:schemeClr val="accent3"/>
+    </dgm:fillClrLst>
+    <dgm:linClrLst meth="repeat">
+      <a:schemeClr val="lt1"/>
+    </dgm:linClrLst>
+    <dgm:effectClrLst/>
+    <dgm:txLinClrLst/>
+    <dgm:txFillClrLst/>
+    <dgm:txEffectClrLst/>
+  </dgm:styleLbl>
+  <dgm:styleLbl name="node1">
+    <dgm:fillClrLst>
+      <a:schemeClr val="accent4"/>
+      <a:schemeClr val="accent5"/>
+    </dgm:fillClrLst>
+    <dgm:linClrLst meth="repeat">
+      <a:schemeClr val="lt1"/>
+    </dgm:linClrLst>
+    <dgm:effectClrLst/>
+    <dgm:txLinClrLst/>
+    <dgm:txFillClrLst/>
+    <dgm:txEffectClrLst/>
+  </dgm:styleLbl>
+  <dgm:styleLbl name="alignNode1">
+    <dgm:fillClrLst>
+      <a:schemeClr val="accent4"/>
+      <a:schemeClr val="accent5"/>
+    </dgm:fillClrLst>
+    <dgm:linClrLst>
+      <a:schemeClr val="accent4"/>
+      <a:schemeClr val="accent5"/>
+    </dgm:linClrLst>
+    <dgm:effectClrLst/>
+    <dgm:txLinClrLst/>
+    <dgm:txFillClrLst/>
+    <dgm:txEffectClrLst/>
+  </dgm:styleLbl>
+  <dgm:styleLbl name="lnNode1">
+    <dgm:fillClrLst>
+      <a:schemeClr val="accent4"/>
+      <a:schemeClr val="accent5"/>
+    </dgm:fillClrLst>
+    <dgm:linClrLst meth="repeat">
+      <a:schemeClr val="lt1"/>
+    </dgm:linClrLst>
+    <dgm:effectClrLst/>
+    <dgm:txLinClrLst/>
+    <dgm:txFillClrLst/>
+    <dgm:txEffectClrLst/>
+  </dgm:styleLbl>
+  <dgm:styleLbl name="vennNode1">
+    <dgm:fillClrLst>
+      <a:schemeClr val="accent4">
+        <a:alpha val="50000"/>
+      </a:schemeClr>
+      <a:schemeClr val="accent5">
+        <a:alpha val="50000"/>
+      </a:schemeClr>
+    </dgm:fillClrLst>
+    <dgm:linClrLst meth="repeat">
+      <a:schemeClr val="lt1"/>
+    </dgm:linClrLst>
+    <dgm:effectClrLst/>
+    <dgm:txLinClrLst/>
+    <dgm:txFillClrLst/>
+    <dgm:txEffectClrLst/>
+  </dgm:styleLbl>
+  <dgm:styleLbl name="node2">
+    <dgm:fillClrLst>
+      <a:schemeClr val="accent5"/>
+    </dgm:fillClrLst>
+    <dgm:linClrLst meth="repeat">
+      <a:schemeClr val="lt1"/>
+    </dgm:linClrLst>
+    <dgm:effectClrLst/>
+    <dgm:txLinClrLst/>
+    <dgm:txFillClrLst/>
+    <dgm:txEffectClrLst/>
+  </dgm:styleLbl>
+  <dgm:styleLbl name="node3">
+    <dgm:fillClrLst>
+      <a:schemeClr val="accent6"/>
+    </dgm:fillClrLst>
+    <dgm:linClrLst meth="repeat">
+      <a:schemeClr val="lt1"/>
+    </dgm:linClrLst>
+    <dgm:effectClrLst/>
+    <dgm:txLinClrLst/>
+    <dgm:txFillClrLst/>
+    <dgm:txEffectClrLst/>
+  </dgm:styleLbl>
+  <dgm:styleLbl name="node4">
+    <dgm:fillClrLst>
+      <a:schemeClr val="accent1"/>
+    </dgm:fillClrLst>
+    <dgm:linClrLst meth="repeat">
+      <a:schemeClr val="lt1"/>
+    </dgm:linClrLst>
+    <dgm:effectClrLst/>
+    <dgm:txLinClrLst/>
+    <dgm:txFillClrLst/>
+    <dgm:txEffectClrLst/>
+  </dgm:styleLbl>
+  <dgm:styleLbl name="fgImgPlace1">
+    <dgm:fillClrLst>
+      <a:schemeClr val="accent4">
+        <a:tint val="50000"/>
+      </a:schemeClr>
+      <a:schemeClr val="accent5">
+        <a:tint val="50000"/>
+      </a:schemeClr>
+    </dgm:fillClrLst>
+    <dgm:linClrLst meth="repeat">
+      <a:schemeClr val="lt1"/>
+    </dgm:linClrLst>
+    <dgm:effectClrLst/>
+    <dgm:txLinClrLst/>
+    <dgm:txFillClrLst meth="repeat">
+      <a:schemeClr val="lt1"/>
+    </dgm:txFillClrLst>
+    <dgm:txEffectClrLst/>
+  </dgm:styleLbl>
+  <dgm:styleLbl name="alignImgPlace1">
+    <dgm:fillClrLst>
+      <a:schemeClr val="accent4">
+        <a:tint val="50000"/>
+      </a:schemeClr>
+      <a:schemeClr val="accent5">
+        <a:tint val="20000"/>
+      </a:schemeClr>
+    </dgm:fillClrLst>
+    <dgm:linClrLst meth="repeat">
+      <a:schemeClr val="lt1"/>
+    </dgm:linClrLst>
+    <dgm:effectClrLst/>
+    <dgm:txLinClrLst/>
+    <dgm:txFillClrLst meth="repeat">
+      <a:schemeClr val="lt1"/>
+    </dgm:txFillClrLst>
+    <dgm:txEffectClrLst/>
+  </dgm:styleLbl>
+  <dgm:styleLbl name="bgImgPlace1">
+    <dgm:fillClrLst>
+      <a:schemeClr val="accent4">
+        <a:tint val="50000"/>
+      </a:schemeClr>
+      <a:schemeClr val="accent5">
+        <a:tint val="20000"/>
+      </a:schemeClr>
+    </dgm:fillClrLst>
+    <dgm:linClrLst meth="repeat">
+      <a:schemeClr val="lt1"/>
+    </dgm:linClrLst>
+    <dgm:effectClrLst/>
+    <dgm:txLinClrLst/>
+    <dgm:txFillClrLst meth="repeat">
+      <a:schemeClr val="lt1"/>
+    </dgm:txFillClrLst>
+    <dgm:txEffectClrLst/>
+  </dgm:styleLbl>
+  <dgm:styleLbl name="sibTrans2D1">
+    <dgm:fillClrLst>
+      <a:schemeClr val="accent4"/>
+      <a:schemeClr val="accent5"/>
+    </dgm:fillClrLst>
+    <dgm:linClrLst meth="repeat">
+      <a:schemeClr val="lt1"/>
+    </dgm:linClrLst>
+    <dgm:effectClrLst/>
+    <dgm:txLinClrLst/>
+    <dgm:txFillClrLst/>
+    <dgm:txEffectClrLst/>
+  </dgm:styleLbl>
+  <dgm:styleLbl name="fgSibTrans2D1">
+    <dgm:fillClrLst>
+      <a:schemeClr val="accent4"/>
+      <a:schemeClr val="accent5"/>
+    </dgm:fillClrLst>
+    <dgm:linClrLst meth="repeat">
+      <a:schemeClr val="lt1"/>
+    </dgm:linClrLst>
+    <dgm:effectClrLst/>
+    <dgm:txLinClrLst/>
+    <dgm:txFillClrLst meth="repeat">
+      <a:schemeClr val="lt1"/>
+    </dgm:txFillClrLst>
+    <dgm:txEffectClrLst/>
+  </dgm:styleLbl>
+  <dgm:styleLbl name="bgSibTrans2D1">
+    <dgm:fillClrLst>
+      <a:schemeClr val="accent4"/>
+      <a:schemeClr val="accent5"/>
+    </dgm:fillClrLst>
+    <dgm:linClrLst meth="repeat">
+      <a:schemeClr val="lt1"/>
+    </dgm:linClrLst>
+    <dgm:effectClrLst/>
+    <dgm:txLinClrLst/>
+    <dgm:txFillClrLst meth="repeat">
+      <a:schemeClr val="lt1"/>
+    </dgm:txFillClrLst>
+    <dgm:txEffectClrLst/>
+  </dgm:styleLbl>
+  <dgm:styleLbl name="sibTrans1D1">
+    <dgm:fillClrLst/>
+    <dgm:linClrLst>
+      <a:schemeClr val="accent4"/>
+      <a:schemeClr val="accent5"/>
+    </dgm:linClrLst>
+    <dgm:effectClrLst/>
+    <dgm:txLinClrLst/>
+    <dgm:txFillClrLst meth="repeat">
+      <a:schemeClr val="tx1"/>
+    </dgm:txFillClrLst>
+    <dgm:txEffectClrLst/>
+  </dgm:styleLbl>
+  <dgm:styleLbl name="callout">
+    <dgm:fillClrLst meth="repeat">
+      <a:schemeClr val="accent4"/>
+    </dgm:fillClrLst>
+    <dgm:linClrLst meth="repeat">
+      <a:schemeClr val="accent4">
+        <a:tint val="50000"/>
+      </a:schemeClr>
+    </dgm:linClrLst>
+    <dgm:effectClrLst/>
+    <dgm:txLinClrLst/>
+    <dgm:txFillClrLst meth="repeat">
+      <a:schemeClr val="tx1"/>
+    </dgm:txFillClrLst>
+    <dgm:txEffectClrLst/>
+  </dgm:styleLbl>
+  <dgm:styleLbl name="asst0">
+    <dgm:fillClrLst meth="repeat">
+      <a:schemeClr val="accent4"/>
+    </dgm:fillClrLst>
+    <dgm:linClrLst meth="repeat">
+      <a:schemeClr val="lt1">
+        <a:shade val="80000"/>
+      </a:schemeClr>
+    </dgm:linClrLst>
+    <dgm:effectClrLst/>
+    <dgm:txLinClrLst/>
+    <dgm:txFillClrLst/>
+    <dgm:txEffectClrLst/>
+  </dgm:styleLbl>
+  <dgm:styleLbl name="asst1">
+    <dgm:fillClrLst meth="repeat">
+      <a:schemeClr val="accent5"/>
+    </dgm:fillClrLst>
+    <dgm:linClrLst meth="repeat">
+      <a:schemeClr val="lt1">
+        <a:shade val="80000"/>
+      </a:schemeClr>
+    </dgm:linClrLst>
+    <dgm:effectClrLst/>
+    <dgm:txLinClrLst/>
+    <dgm:txFillClrLst/>
+    <dgm:txEffectClrLst/>
+  </dgm:styleLbl>
+  <dgm:styleLbl name="asst2">
+    <dgm:fillClrLst>
+      <a:schemeClr val="accent6"/>
+    </dgm:fillClrLst>
+    <dgm:linClrLst meth="repeat">
+      <a:schemeClr val="lt1"/>
+    </dgm:linClrLst>
+    <dgm:effectClrLst/>
+    <dgm:txLinClrLst/>
+    <dgm:txFillClrLst/>
+    <dgm:txEffectClrLst/>
+  </dgm:styleLbl>
+  <dgm:styleLbl name="asst3">
+    <dgm:fillClrLst>
+      <a:schemeClr val="accent1"/>
+    </dgm:fillClrLst>
+    <dgm:linClrLst meth="repeat">
+      <a:schemeClr val="lt1"/>
+    </dgm:linClrLst>
+    <dgm:effectClrLst/>
+    <dgm:txLinClrLst/>
+    <dgm:txFillClrLst/>
+    <dgm:txEffectClrLst/>
+  </dgm:styleLbl>
+  <dgm:styleLbl name="asst4">
+    <dgm:fillClrLst>
+      <a:schemeClr val="accent2"/>
+    </dgm:fillClrLst>
+    <dgm:linClrLst meth="repeat">
+      <a:schemeClr val="lt1"/>
+    </dgm:linClrLst>
+    <dgm:effectClrLst/>
+    <dgm:txLinClrLst/>
+    <dgm:txFillClrLst/>
+    <dgm:txEffectClrLst/>
+  </dgm:styleLbl>
+  <dgm:styleLbl name="parChTrans2D1">
+    <dgm:fillClrLst meth="repeat">
+      <a:schemeClr val="accent4"/>
+    </dgm:fillClrLst>
+    <dgm:linClrLst meth="repeat">
+      <a:schemeClr val="lt1"/>
+    </dgm:linClrLst>
+    <dgm:effectClrLst/>
+    <dgm:txLinClrLst/>
+    <dgm:txFillClrLst meth="repeat">
+      <a:schemeClr val="lt1"/>
+    </dgm:txFillClrLst>
+    <dgm:txEffectClrLst/>
+  </dgm:styleLbl>
+  <dgm:styleLbl name="parChTrans2D2">
+    <dgm:fillClrLst meth="repeat">
+      <a:schemeClr val="accent5"/>
+    </dgm:fillClrLst>
+    <dgm:linClrLst meth="repeat">
+      <a:schemeClr val="lt1"/>
+    </dgm:linClrLst>
+    <dgm:effectClrLst/>
+    <dgm:txLinClrLst/>
+    <dgm:txFillClrLst/>
+    <dgm:txEffectClrLst/>
+  </dgm:styleLbl>
+  <dgm:styleLbl name="parChTrans2D3">
+    <dgm:fillClrLst meth="repeat">
+      <a:schemeClr val="accent5"/>
+    </dgm:fillClrLst>
+    <dgm:linClrLst meth="repeat">
+      <a:schemeClr val="lt1"/>
+    </dgm:linClrLst>
+    <dgm:effectClrLst/>
+    <dgm:txLinClrLst/>
+    <dgm:txFillClrLst/>
+    <dgm:txEffectClrLst/>
+  </dgm:styleLbl>
+  <dgm:styleLbl name="parChTrans2D4">
+    <dgm:fillClrLst meth="repeat">
+      <a:schemeClr val="accent6"/>
+    </dgm:fillClrLst>
+    <dgm:linClrLst meth="repeat">
+      <a:schemeClr val="lt1"/>
+    </dgm:linClrLst>
+    <dgm:effectClrLst/>
+    <dgm:txLinClrLst/>
+    <dgm:txFillClrLst meth="repeat">
+      <a:schemeClr val="lt1"/>
+    </dgm:txFillClrLst>
+    <dgm:txEffectClrLst/>
+  </dgm:styleLbl>
+  <dgm:styleLbl name="parChTrans1D1">
+    <dgm:fillClrLst meth="repeat">
+      <a:schemeClr val="accent4"/>
+    </dgm:fillClrLst>
+    <dgm:linClrLst meth="repeat">
+      <a:schemeClr val="accent4"/>
+    </dgm:linClrLst>
+    <dgm:effectClrLst/>
+    <dgm:txLinClrLst/>
+    <dgm:txFillClrLst meth="repeat">
+      <a:schemeClr val="tx1"/>
+    </dgm:txFillClrLst>
+    <dgm:txEffectClrLst/>
+  </dgm:styleLbl>
+  <dgm:styleLbl name="parChTrans1D2">
+    <dgm:fillClrLst meth="repeat">
+      <a:schemeClr val="accent4">
+        <a:tint val="90000"/>
+      </a:schemeClr>
+    </dgm:fillClrLst>
+    <dgm:linClrLst meth="repeat">
+      <a:schemeClr val="accent5"/>
+    </dgm:linClrLst>
+    <dgm:effectClrLst/>
+    <dgm:txLinClrLst/>
+    <dgm:txFillClrLst meth="repeat">
+      <a:schemeClr val="tx1"/>
+    </dgm:txFillClrLst>
+    <dgm:txEffectClrLst/>
+  </dgm:styleLbl>
+  <dgm:styleLbl name="parChTrans1D3">
+    <dgm:fillClrLst meth="repeat">
+      <a:schemeClr val="accent4">
+        <a:tint val="70000"/>
+      </a:schemeClr>
+    </dgm:fillClrLst>
+    <dgm:linClrLst meth="repeat">
+      <a:schemeClr val="accent6"/>
+    </dgm:linClrLst>
+    <dgm:effectClrLst/>
+    <dgm:txLinClrLst/>
+    <dgm:txFillClrLst meth="repeat">
+      <a:schemeClr val="tx1"/>
+    </dgm:txFillClrLst>
+    <dgm:txEffectClrLst/>
+  </dgm:styleLbl>
+  <dgm:styleLbl name="parChTrans1D4">
+    <dgm:fillClrLst meth="repeat">
+      <a:schemeClr val="accent4">
+        <a:tint val="50000"/>
+      </a:schemeClr>
+    </dgm:fillClrLst>
+    <dgm:linClrLst meth="repeat">
+      <a:schemeClr val="accent1"/>
+    </dgm:linClrLst>
+    <dgm:effectClrLst/>
+    <dgm:txLinClrLst/>
+    <dgm:txFillClrLst meth="repeat">
+      <a:schemeClr val="tx1"/>
+    </dgm:txFillClrLst>
+    <dgm:txEffectClrLst/>
+  </dgm:styleLbl>
+  <dgm:styleLbl name="fgAcc1">
+    <dgm:fillClrLst meth="repeat">
+      <a:schemeClr val="lt1">
+        <a:alpha val="90000"/>
+      </a:schemeClr>
+    </dgm:fillClrLst>
+    <dgm:linClrLst>
+      <a:schemeClr val="accent4"/>
+      <a:schemeClr val="accent5"/>
+    </dgm:linClrLst>
+    <dgm:effectClrLst/>
+    <dgm:txLinClrLst/>
+    <dgm:txFillClrLst meth="repeat">
+      <a:schemeClr val="dk1"/>
+    </dgm:txFillClrLst>
+    <dgm:txEffectClrLst/>
+  </dgm:styleLbl>
+  <dgm:styleLbl name="conFgAcc1">
+    <dgm:fillClrLst meth="repeat">
+      <a:schemeClr val="lt1">
+        <a:alpha val="90000"/>
+      </a:schemeClr>
+    </dgm:fillClrLst>
+    <dgm:linClrLst>
+      <a:schemeClr val="accent4"/>
+      <a:schemeClr val="accent5"/>
+    </dgm:linClrLst>
+    <dgm:effectClrLst/>
+    <dgm:txLinClrLst/>
+    <dgm:txFillClrLst meth="repeat">
+      <a:schemeClr val="dk1"/>
+    </dgm:txFillClrLst>
+    <dgm:txEffectClrLst/>
+  </dgm:styleLbl>
+  <dgm:styleLbl name="alignAcc1">
+    <dgm:fillClrLst meth="repeat">
+      <a:schemeClr val="lt1">
+        <a:alpha val="90000"/>
+      </a:schemeClr>
+    </dgm:fillClrLst>
+    <dgm:linClrLst>
+      <a:schemeClr val="accent4"/>
+      <a:schemeClr val="accent5"/>
+    </dgm:linClrLst>
+    <dgm:effectClrLst/>
+    <dgm:txLinClrLst/>
+    <dgm:txFillClrLst meth="repeat">
+      <a:schemeClr val="dk1"/>
+    </dgm:txFillClrLst>
+    <dgm:txEffectClrLst/>
+  </dgm:styleLbl>
+  <dgm:styleLbl name="trAlignAcc1">
+    <dgm:fillClrLst meth="repeat">
+      <a:schemeClr val="lt1">
+        <a:alpha val="40000"/>
+      </a:schemeClr>
+    </dgm:fillClrLst>
+    <dgm:linClrLst meth="repeat">
+      <a:schemeClr val="accent4"/>
+    </dgm:linClrLst>
+    <dgm:effectClrLst/>
+    <dgm:txLinClrLst/>
+    <dgm:txFillClrLst meth="repeat">
+      <a:schemeClr val="dk1"/>
+    </dgm:txFillClrLst>
+    <dgm:txEffectClrLst/>
+  </dgm:styleLbl>
+  <dgm:styleLbl name="bgAcc1">
+    <dgm:fillClrLst meth="repeat">
+      <a:schemeClr val="lt1">
+        <a:alpha val="90000"/>
+      </a:schemeClr>
+    </dgm:fillClrLst>
+    <dgm:linClrLst>
+      <a:schemeClr val="accent4"/>
+      <a:schemeClr val="accent5"/>
+    </dgm:linClrLst>
+    <dgm:effectClrLst/>
+    <dgm:txLinClrLst/>
+    <dgm:txFillClrLst meth="repeat">
+      <a:schemeClr val="dk1"/>
+    </dgm:txFillClrLst>
+    <dgm:txEffectClrLst/>
+  </dgm:styleLbl>
+  <dgm:styleLbl name="solidFgAcc1">
+    <dgm:fillClrLst meth="repeat">
+      <a:schemeClr val="lt1"/>
+    </dgm:fillClrLst>
+    <dgm:linClrLst>
+      <a:schemeClr val="accent4"/>
+      <a:schemeClr val="accent5"/>
+    </dgm:linClrLst>
+    <dgm:effectClrLst/>
+    <dgm:txLinClrLst/>
+    <dgm:txFillClrLst meth="repeat">
+      <a:schemeClr val="dk1"/>
+    </dgm:txFillClrLst>
+    <dgm:txEffectClrLst/>
+  </dgm:styleLbl>
+  <dgm:styleLbl name="solidAlignAcc1">
+    <dgm:fillClrLst meth="repeat">
+      <a:schemeClr val="lt1"/>
+    </dgm:fillClrLst>
+    <dgm:linClrLst>
+      <a:schemeClr val="accent4"/>
+      <a:schemeClr val="accent5"/>
+    </dgm:linClrLst>
+    <dgm:effectClrLst/>
+    <dgm:txLinClrLst/>
+    <dgm:txFillClrLst meth="repeat">
+      <a:schemeClr val="dk1"/>
+    </dgm:txFillClrLst>
+    <dgm:txEffectClrLst/>
+  </dgm:styleLbl>
+  <dgm:styleLbl name="solidBgAcc1">
+    <dgm:fillClrLst meth="repeat">
+      <a:schemeClr val="lt1"/>
+    </dgm:fillClrLst>
+    <dgm:linClrLst>
+      <a:schemeClr val="accent4"/>
+      <a:schemeClr val="accent5"/>
+    </dgm:linClrLst>
+    <dgm:effectClrLst/>
+    <dgm:txLinClrLst/>
+    <dgm:txFillClrLst meth="repeat">
+      <a:schemeClr val="dk1"/>
+    </dgm:txFillClrLst>
+    <dgm:txEffectClrLst/>
+  </dgm:styleLbl>
+  <dgm:styleLbl name="fgAccFollowNode1">
+    <dgm:fillClrLst>
+      <a:schemeClr val="accent4">
+        <a:tint val="40000"/>
+        <a:alpha val="90000"/>
+      </a:schemeClr>
+      <a:schemeClr val="accent5">
+        <a:tint val="40000"/>
+        <a:alpha val="90000"/>
+      </a:schemeClr>
+    </dgm:fillClrLst>
+    <dgm:linClrLst>
+      <a:schemeClr val="accent4">
+        <a:tint val="40000"/>
+        <a:alpha val="90000"/>
+      </a:schemeClr>
+      <a:schemeClr val="accent5">
+        <a:tint val="40000"/>
+        <a:alpha val="90000"/>
+      </a:schemeClr>
+    </dgm:linClrLst>
+    <dgm:effectClrLst/>
+    <dgm:txLinClrLst/>
+    <dgm:txFillClrLst meth="repeat">
+      <a:schemeClr val="dk1"/>
+    </dgm:txFillClrLst>
+    <dgm:txEffectClrLst/>
+  </dgm:styleLbl>
+  <dgm:styleLbl name="alignAccFollowNode1">
+    <dgm:fillClrLst>
+      <a:schemeClr val="accent4">
+        <a:tint val="40000"/>
+        <a:alpha val="90000"/>
+      </a:schemeClr>
+      <a:schemeClr val="accent5">
+        <a:tint val="40000"/>
+        <a:alpha val="90000"/>
+      </a:schemeClr>
+    </dgm:fillClrLst>
+    <dgm:linClrLst>
+      <a:schemeClr val="accent4">
+        <a:tint val="40000"/>
+        <a:alpha val="90000"/>
+      </a:schemeClr>
+      <a:schemeClr val="accent5">
+        <a:tint val="40000"/>
+        <a:alpha val="90000"/>
+      </a:schemeClr>
+    </dgm:linClrLst>
+    <dgm:effectClrLst/>
+    <dgm:txLinClrLst/>
+    <dgm:txFillClrLst meth="repeat">
+      <a:schemeClr val="dk1"/>
+    </dgm:txFillClrLst>
+    <dgm:txEffectClrLst/>
+  </dgm:styleLbl>
+  <dgm:styleLbl name="bgAccFollowNode1">
+    <dgm:fillClrLst>
+      <a:schemeClr val="accent4">
+        <a:tint val="40000"/>
+        <a:alpha val="90000"/>
+      </a:schemeClr>
+      <a:schemeClr val="accent5">
+        <a:tint val="40000"/>
+        <a:alpha val="90000"/>
+      </a:schemeClr>
+    </dgm:fillClrLst>
+    <dgm:linClrLst>
+      <a:schemeClr val="accent4">
+        <a:tint val="40000"/>
+        <a:alpha val="90000"/>
+      </a:schemeClr>
+      <a:schemeClr val="accent5">
+        <a:tint val="40000"/>
+        <a:alpha val="90000"/>
+      </a:schemeClr>
+    </dgm:linClrLst>
+    <dgm:effectClrLst/>
+    <dgm:txLinClrLst/>
+    <dgm:txFillClrLst meth="repeat">
+      <a:schemeClr val="dk1"/>
+    </dgm:txFillClrLst>
+    <dgm:txEffectClrLst/>
+  </dgm:styleLbl>
+  <dgm:styleLbl name="fgAcc0">
+    <dgm:fillClrLst meth="repeat">
+      <a:schemeClr val="lt1">
+        <a:alpha val="90000"/>
+      </a:schemeClr>
+    </dgm:fillClrLst>
+    <dgm:linClrLst>
+      <a:schemeClr val="accent3"/>
+    </dgm:linClrLst>
+    <dgm:effectClrLst/>
+    <dgm:txLinClrLst/>
+    <dgm:txFillClrLst meth="repeat">
+      <a:schemeClr val="dk1"/>
+    </dgm:txFillClrLst>
+    <dgm:txEffectClrLst/>
+  </dgm:styleLbl>
+  <dgm:styleLbl name="fgAcc2">
+    <dgm:fillClrLst meth="repeat">
+      <a:schemeClr val="lt1">
+        <a:alpha val="90000"/>
+      </a:schemeClr>
+    </dgm:fillClrLst>
+    <dgm:linClrLst>
+      <a:schemeClr val="accent5"/>
+    </dgm:linClrLst>
+    <dgm:effectClrLst/>
+    <dgm:txLinClrLst/>
+    <dgm:txFillClrLst meth="repeat">
+      <a:schemeClr val="dk1"/>
+    </dgm:txFillClrLst>
+    <dgm:txEffectClrLst/>
+  </dgm:styleLbl>
+  <dgm:styleLbl name="fgAcc3">
+    <dgm:fillClrLst meth="repeat">
+      <a:schemeClr val="lt1">
+        <a:alpha val="90000"/>
+      </a:schemeClr>
+    </dgm:fillClrLst>
+    <dgm:linClrLst>
+      <a:schemeClr val="accent6"/>
+    </dgm:linClrLst>
+    <dgm:effectClrLst/>
+    <dgm:txLinClrLst/>
+    <dgm:txFillClrLst meth="repeat">
+      <a:schemeClr val="dk1"/>
+    </dgm:txFillClrLst>
+    <dgm:txEffectClrLst/>
+  </dgm:styleLbl>
+  <dgm:styleLbl name="fgAcc4">
+    <dgm:fillClrLst meth="repeat">
+      <a:schemeClr val="lt1">
+        <a:alpha val="90000"/>
+      </a:schemeClr>
+    </dgm:fillClrLst>
+    <dgm:linClrLst>
+      <a:schemeClr val="accent1"/>
+    </dgm:linClrLst>
+    <dgm:effectClrLst/>
+    <dgm:txLinClrLst/>
+    <dgm:txFillClrLst meth="repeat">
+      <a:schemeClr val="dk1"/>
+    </dgm:txFillClrLst>
+    <dgm:txEffectClrLst/>
+  </dgm:styleLbl>
+  <dgm:styleLbl name="bgShp">
+    <dgm:fillClrLst meth="repeat">
+      <a:schemeClr val="accent4">
+        <a:tint val="40000"/>
+      </a:schemeClr>
+    </dgm:fillClrLst>
+    <dgm:linClrLst meth="repeat">
+      <a:schemeClr val="dk1"/>
+    </dgm:linClrLst>
+    <dgm:effectClrLst/>
+    <dgm:txLinClrLst/>
+    <dgm:txFillClrLst meth="repeat">
+      <a:schemeClr val="dk1"/>
+    </dgm:txFillClrLst>
+    <dgm:txEffectClrLst/>
+  </dgm:styleLbl>
+  <dgm:styleLbl name="dkBgShp">
+    <dgm:fillClrLst meth="repeat">
+      <a:schemeClr val="accent4">
+        <a:shade val="90000"/>
+      </a:schemeClr>
+    </dgm:fillClrLst>
+    <dgm:linClrLst meth="repeat">
+      <a:schemeClr val="dk1"/>
+    </dgm:linClrLst>
+    <dgm:effectClrLst/>
+    <dgm:txLinClrLst/>
+    <dgm:txFillClrLst meth="repeat">
+      <a:schemeClr val="lt1"/>
+    </dgm:txFillClrLst>
+    <dgm:txEffectClrLst/>
+  </dgm:styleLbl>
+  <dgm:styleLbl name="trBgShp">
+    <dgm:fillClrLst meth="repeat">
+      <a:schemeClr val="accent4">
+        <a:tint val="50000"/>
+        <a:alpha val="40000"/>
+      </a:schemeClr>
+    </dgm:fillClrLst>
+    <dgm:linClrLst meth="repeat">
+      <a:schemeClr val="accent4"/>
+    </dgm:linClrLst>
+    <dgm:effectClrLst/>
+    <dgm:txLinClrLst/>
+    <dgm:txFillClrLst meth="repeat">
+      <a:schemeClr val="lt1"/>
+    </dgm:txFillClrLst>
+    <dgm:txEffectClrLst/>
+  </dgm:styleLbl>
+  <dgm:styleLbl name="fgShp">
+    <dgm:fillClrLst meth="repeat">
+      <a:schemeClr val="accent4">
+        <a:tint val="40000"/>
+      </a:schemeClr>
+    </dgm:fillClrLst>
+    <dgm:linClrLst meth="repeat">
+      <a:schemeClr val="lt1"/>
+    </dgm:linClrLst>
+    <dgm:effectClrLst/>
+    <dgm:txLinClrLst/>
+    <dgm:txFillClrLst meth="repeat">
+      <a:schemeClr val="dk1"/>
+    </dgm:txFillClrLst>
+    <dgm:txEffectClrLst/>
+  </dgm:styleLbl>
+  <dgm:styleLbl name="revTx">
+    <dgm:fillClrLst meth="repeat">
+      <a:schemeClr val="lt1">
+        <a:alpha val="0"/>
+      </a:schemeClr>
+    </dgm:fillClrLst>
+    <dgm:linClrLst meth="repeat">
+      <a:schemeClr val="dk1">
+        <a:alpha val="0"/>
+      </a:schemeClr>
+    </dgm:linClrLst>
+    <dgm:effectClrLst/>
+    <dgm:txLinClrLst/>
+    <dgm:txFillClrLst meth="repeat">
+      <a:schemeClr val="tx1"/>
+    </dgm:txFillClrLst>
+    <dgm:txEffectClrLst/>
+  </dgm:styleLbl>
+</dgm:colorsDef>
+</file>
+
 <file path=ppt/diagrams/data1.xml><?xml version="1.0" encoding="utf-8"?>
 <dgm:dataModel xmlns:dgm="http://schemas.openxmlformats.org/drawingml/2006/diagram" xmlns:a="http://schemas.openxmlformats.org/drawingml/2006/main">
   <dgm:ptLst>
@@ -961,6 +1743,67 @@
 </dgm:dataModel>
 </file>
 
+<file path=ppt/diagrams/data2.xml><?xml version="1.0" encoding="utf-8"?>
+<dgm:dataModel xmlns:dgm="http://schemas.openxmlformats.org/drawingml/2006/diagram" xmlns:a="http://schemas.openxmlformats.org/drawingml/2006/main">
+  <dgm:ptLst>
+    <dgm:pt modelId="{D10AF9BB-6BAE-114E-AC0B-7724ED9159BC}" type="doc">
+      <dgm:prSet loTypeId="urn:microsoft.com/office/officeart/2005/8/layout/hProcess3" loCatId="" qsTypeId="urn:microsoft.com/office/officeart/2005/8/quickstyle/simple4" qsCatId="simple" csTypeId="urn:microsoft.com/office/officeart/2005/8/colors/colorful4" csCatId="colorful" phldr="0"/>
+      <dgm:spPr/>
+    </dgm:pt>
+    <dgm:pt modelId="{E9CE9BD5-F7C6-A541-9FD7-9781E821C28D}" type="pres">
+      <dgm:prSet presAssocID="{D10AF9BB-6BAE-114E-AC0B-7724ED9159BC}" presName="Name0" presStyleCnt="0">
+        <dgm:presLayoutVars>
+          <dgm:dir/>
+          <dgm:animLvl val="lvl"/>
+          <dgm:resizeHandles val="exact"/>
+        </dgm:presLayoutVars>
+      </dgm:prSet>
+      <dgm:spPr/>
+    </dgm:pt>
+    <dgm:pt modelId="{BAB6A97A-D8ED-E14B-B079-26C427A6A015}" type="pres">
+      <dgm:prSet presAssocID="{D10AF9BB-6BAE-114E-AC0B-7724ED9159BC}" presName="dummy" presStyleCnt="0"/>
+      <dgm:spPr/>
+    </dgm:pt>
+    <dgm:pt modelId="{51C7845C-D2DC-9F4A-8BB7-57DBB98578F2}" type="pres">
+      <dgm:prSet presAssocID="{D10AF9BB-6BAE-114E-AC0B-7724ED9159BC}" presName="linH" presStyleCnt="0"/>
+      <dgm:spPr/>
+    </dgm:pt>
+    <dgm:pt modelId="{6102EABD-5A54-CB44-B10F-DBBA519D829D}" type="pres">
+      <dgm:prSet presAssocID="{D10AF9BB-6BAE-114E-AC0B-7724ED9159BC}" presName="padding1" presStyleCnt="0"/>
+      <dgm:spPr/>
+    </dgm:pt>
+    <dgm:pt modelId="{0DE9EC27-626D-9447-9442-040064AD916A}" type="pres">
+      <dgm:prSet presAssocID="{D10AF9BB-6BAE-114E-AC0B-7724ED9159BC}" presName="padding2" presStyleCnt="0"/>
+      <dgm:spPr/>
+    </dgm:pt>
+    <dgm:pt modelId="{5BA61C41-CCFB-C541-B560-C408DFF0C605}" type="pres">
+      <dgm:prSet presAssocID="{D10AF9BB-6BAE-114E-AC0B-7724ED9159BC}" presName="negArrow" presStyleCnt="0"/>
+      <dgm:spPr/>
+    </dgm:pt>
+    <dgm:pt modelId="{6559485C-561A-654A-B557-A2C2174AC85A}" type="pres">
+      <dgm:prSet presAssocID="{D10AF9BB-6BAE-114E-AC0B-7724ED9159BC}" presName="backgroundArrow" presStyleLbl="node1" presStyleIdx="0" presStyleCnt="1" custLinFactNeighborX="4456" custLinFactNeighborY="174"/>
+      <dgm:spPr/>
+    </dgm:pt>
+  </dgm:ptLst>
+  <dgm:cxnLst>
+    <dgm:cxn modelId="{FC01F241-8213-8448-846E-4CE9AE71F367}" type="presOf" srcId="{D10AF9BB-6BAE-114E-AC0B-7724ED9159BC}" destId="{E9CE9BD5-F7C6-A541-9FD7-9781E821C28D}" srcOrd="0" destOrd="0" presId="urn:microsoft.com/office/officeart/2005/8/layout/hProcess3"/>
+    <dgm:cxn modelId="{E27B3E12-4C43-BF40-9227-E99A1E1EA2D1}" type="presParOf" srcId="{E9CE9BD5-F7C6-A541-9FD7-9781E821C28D}" destId="{BAB6A97A-D8ED-E14B-B079-26C427A6A015}" srcOrd="0" destOrd="0" presId="urn:microsoft.com/office/officeart/2005/8/layout/hProcess3"/>
+    <dgm:cxn modelId="{38DA61EF-79DE-4148-8858-E6D058B270C7}" type="presParOf" srcId="{E9CE9BD5-F7C6-A541-9FD7-9781E821C28D}" destId="{51C7845C-D2DC-9F4A-8BB7-57DBB98578F2}" srcOrd="1" destOrd="0" presId="urn:microsoft.com/office/officeart/2005/8/layout/hProcess3"/>
+    <dgm:cxn modelId="{25477E07-AA5A-4A43-BF47-BA246FC72D49}" type="presParOf" srcId="{51C7845C-D2DC-9F4A-8BB7-57DBB98578F2}" destId="{6102EABD-5A54-CB44-B10F-DBBA519D829D}" srcOrd="0" destOrd="0" presId="urn:microsoft.com/office/officeart/2005/8/layout/hProcess3"/>
+    <dgm:cxn modelId="{4ADB3268-9542-C343-87EA-B7944325C910}" type="presParOf" srcId="{51C7845C-D2DC-9F4A-8BB7-57DBB98578F2}" destId="{0DE9EC27-626D-9447-9442-040064AD916A}" srcOrd="1" destOrd="0" presId="urn:microsoft.com/office/officeart/2005/8/layout/hProcess3"/>
+    <dgm:cxn modelId="{64FA37D3-4360-6D42-ACEC-656C23227872}" type="presParOf" srcId="{51C7845C-D2DC-9F4A-8BB7-57DBB98578F2}" destId="{5BA61C41-CCFB-C541-B560-C408DFF0C605}" srcOrd="2" destOrd="0" presId="urn:microsoft.com/office/officeart/2005/8/layout/hProcess3"/>
+    <dgm:cxn modelId="{3E27BDC0-3825-6D44-9D24-EFB2DF2D08C7}" type="presParOf" srcId="{51C7845C-D2DC-9F4A-8BB7-57DBB98578F2}" destId="{6559485C-561A-654A-B557-A2C2174AC85A}" srcOrd="3" destOrd="0" presId="urn:microsoft.com/office/officeart/2005/8/layout/hProcess3"/>
+  </dgm:cxnLst>
+  <dgm:bg/>
+  <dgm:whole/>
+  <dgm:extLst>
+    <a:ext uri="http://schemas.microsoft.com/office/drawing/2008/diagram">
+      <dsp:dataModelExt xmlns:dsp="http://schemas.microsoft.com/office/drawing/2008/diagram" relId="rId8" minVer="http://schemas.openxmlformats.org/drawingml/2006/diagram"/>
+    </a:ext>
+  </dgm:extLst>
+</dgm:dataModel>
+</file>
+
 <file path=ppt/diagrams/drawing1.xml><?xml version="1.0" encoding="utf-8"?>
 <dsp:drawing xmlns:dgm="http://schemas.openxmlformats.org/drawingml/2006/diagram" xmlns:dsp="http://schemas.microsoft.com/office/drawing/2008/diagram" xmlns:a="http://schemas.openxmlformats.org/drawingml/2006/main">
   <dsp:spTree>
@@ -978,6 +1821,103 @@
         <a:xfrm>
           <a:off x="0" y="29497"/>
           <a:ext cx="2435124" cy="1368000"/>
+        </a:xfrm>
+        <a:prstGeom prst="rightArrow">
+          <a:avLst/>
+        </a:prstGeom>
+        <a:gradFill rotWithShape="0">
+          <a:gsLst>
+            <a:gs pos="0">
+              <a:schemeClr val="accent4">
+                <a:hueOff val="0"/>
+                <a:satOff val="0"/>
+                <a:lumOff val="0"/>
+                <a:alphaOff val="0"/>
+                <a:tint val="50000"/>
+                <a:shade val="100000"/>
+                <a:alpha val="100000"/>
+                <a:satMod val="150000"/>
+              </a:schemeClr>
+            </a:gs>
+            <a:gs pos="40000">
+              <a:schemeClr val="accent4">
+                <a:hueOff val="0"/>
+                <a:satOff val="0"/>
+                <a:lumOff val="0"/>
+                <a:alphaOff val="0"/>
+                <a:tint val="70000"/>
+                <a:shade val="100000"/>
+                <a:alpha val="100000"/>
+                <a:satMod val="150000"/>
+              </a:schemeClr>
+            </a:gs>
+            <a:gs pos="100000">
+              <a:schemeClr val="accent4">
+                <a:hueOff val="0"/>
+                <a:satOff val="0"/>
+                <a:lumOff val="0"/>
+                <a:alphaOff val="0"/>
+                <a:shade val="90000"/>
+                <a:satMod val="110000"/>
+              </a:schemeClr>
+            </a:gs>
+          </a:gsLst>
+          <a:lin ang="5400000" scaled="0"/>
+        </a:gradFill>
+        <a:ln>
+          <a:noFill/>
+        </a:ln>
+        <a:effectLst>
+          <a:outerShdw blurRad="88900" dist="50800" dir="11400000" sx="102000" sy="101000" algn="tl" rotWithShape="0">
+            <a:srgbClr val="000000">
+              <a:alpha val="35000"/>
+            </a:srgbClr>
+          </a:outerShdw>
+        </a:effectLst>
+        <a:scene3d>
+          <a:camera prst="perspectiveFront" fov="4800000"/>
+          <a:lightRig rig="morning" dir="tl"/>
+        </a:scene3d>
+        <a:sp3d prstMaterial="softmetal">
+          <a:bevelT w="0" h="0"/>
+        </a:sp3d>
+      </dsp:spPr>
+      <dsp:style>
+        <a:lnRef idx="0">
+          <a:scrgbClr r="0" g="0" b="0"/>
+        </a:lnRef>
+        <a:fillRef idx="3">
+          <a:scrgbClr r="0" g="0" b="0"/>
+        </a:fillRef>
+        <a:effectRef idx="2">
+          <a:scrgbClr r="0" g="0" b="0"/>
+        </a:effectRef>
+        <a:fontRef idx="minor">
+          <a:schemeClr val="lt1"/>
+        </a:fontRef>
+      </dsp:style>
+    </dsp:sp>
+  </dsp:spTree>
+</dsp:drawing>
+</file>
+
+<file path=ppt/diagrams/drawing2.xml><?xml version="1.0" encoding="utf-8"?>
+<dsp:drawing xmlns:dgm="http://schemas.openxmlformats.org/drawingml/2006/diagram" xmlns:dsp="http://schemas.microsoft.com/office/drawing/2008/diagram" xmlns:a="http://schemas.openxmlformats.org/drawingml/2006/main">
+  <dsp:spTree>
+    <dsp:nvGrpSpPr>
+      <dsp:cNvPr id="0" name=""/>
+      <dsp:cNvGrpSpPr/>
+    </dsp:nvGrpSpPr>
+    <dsp:grpSpPr/>
+    <dsp:sp modelId="{6559485C-561A-654A-B557-A2C2174AC85A}">
+      <dsp:nvSpPr>
+        <dsp:cNvPr id="0" name=""/>
+        <dsp:cNvSpPr/>
+      </dsp:nvSpPr>
+      <dsp:spPr>
+        <a:xfrm>
+          <a:off x="0" y="3763"/>
+          <a:ext cx="1316138" cy="1080000"/>
         </a:xfrm>
         <a:prstGeom prst="rightArrow">
           <a:avLst/>
@@ -1373,7 +2313,1356 @@
 </dgm:layoutDef>
 </file>
 
+<file path=ppt/diagrams/layout2.xml><?xml version="1.0" encoding="utf-8"?>
+<dgm:layoutDef xmlns:dgm="http://schemas.openxmlformats.org/drawingml/2006/diagram" xmlns:a="http://schemas.openxmlformats.org/drawingml/2006/main" uniqueId="urn:microsoft.com/office/officeart/2005/8/layout/hProcess3">
+  <dgm:title val=""/>
+  <dgm:desc val=""/>
+  <dgm:catLst>
+    <dgm:cat type="process" pri="6000"/>
+  </dgm:catLst>
+  <dgm:sampData useDef="1">
+    <dgm:dataModel>
+      <dgm:ptLst/>
+      <dgm:bg/>
+      <dgm:whole/>
+    </dgm:dataModel>
+  </dgm:sampData>
+  <dgm:styleData>
+    <dgm:dataModel>
+      <dgm:ptLst>
+        <dgm:pt modelId="0" type="doc"/>
+        <dgm:pt modelId="1"/>
+        <dgm:pt modelId="2"/>
+      </dgm:ptLst>
+      <dgm:cxnLst>
+        <dgm:cxn modelId="3" srcId="0" destId="1" srcOrd="0" destOrd="0"/>
+        <dgm:cxn modelId="4" srcId="0" destId="2" srcOrd="1" destOrd="0"/>
+      </dgm:cxnLst>
+      <dgm:bg/>
+      <dgm:whole/>
+    </dgm:dataModel>
+  </dgm:styleData>
+  <dgm:clrData>
+    <dgm:dataModel>
+      <dgm:ptLst>
+        <dgm:pt modelId="0" type="doc"/>
+        <dgm:pt modelId="1"/>
+        <dgm:pt modelId="2"/>
+        <dgm:pt modelId="3"/>
+        <dgm:pt modelId="4"/>
+      </dgm:ptLst>
+      <dgm:cxnLst>
+        <dgm:cxn modelId="5" srcId="0" destId="1" srcOrd="0" destOrd="0"/>
+        <dgm:cxn modelId="6" srcId="0" destId="2" srcOrd="1" destOrd="0"/>
+        <dgm:cxn modelId="7" srcId="0" destId="3" srcOrd="2" destOrd="0"/>
+        <dgm:cxn modelId="8" srcId="0" destId="4" srcOrd="3" destOrd="0"/>
+      </dgm:cxnLst>
+      <dgm:bg/>
+      <dgm:whole/>
+    </dgm:dataModel>
+  </dgm:clrData>
+  <dgm:layoutNode name="Name0" chOrder="t">
+    <dgm:varLst>
+      <dgm:dir/>
+      <dgm:animLvl val="lvl"/>
+      <dgm:resizeHandles val="exact"/>
+    </dgm:varLst>
+    <dgm:alg type="composite"/>
+    <dgm:shape xmlns:r="http://schemas.openxmlformats.org/officeDocument/2006/relationships" r:blip="">
+      <dgm:adjLst/>
+    </dgm:shape>
+    <dgm:presOf/>
+    <dgm:constrLst>
+      <dgm:constr type="w" for="ch" forName="dummy" refType="w"/>
+      <dgm:constr type="h" for="ch" forName="dummy" refType="h"/>
+      <dgm:constr type="h" for="ch" forName="dummy" refType="w" refFor="ch" refForName="dummy" op="lte" fact="0.4"/>
+      <dgm:constr type="ctrX" for="ch" forName="dummy" refType="w" fact="0.5"/>
+      <dgm:constr type="ctrY" for="ch" forName="dummy" refType="h" fact="0.5"/>
+      <dgm:constr type="w" for="ch" forName="linH" refType="w"/>
+      <dgm:constr type="h" for="ch" forName="linH" refType="h"/>
+      <dgm:constr type="ctrX" for="ch" forName="linH" refType="w" fact="0.5"/>
+      <dgm:constr type="ctrY" for="ch" forName="linH" refType="h" fact="0.5"/>
+      <dgm:constr type="userP" for="ch" forName="linH" refType="h" refFor="ch" refForName="dummy" fact="0.25"/>
+      <dgm:constr type="userT" for="des" forName="parTx" refType="w" refFor="ch" refForName="dummy" fact="0.2"/>
+    </dgm:constrLst>
+    <dgm:ruleLst/>
+    <dgm:layoutNode name="dummy">
+      <dgm:alg type="sp"/>
+      <dgm:shape xmlns:r="http://schemas.openxmlformats.org/officeDocument/2006/relationships" r:blip="">
+        <dgm:adjLst/>
+      </dgm:shape>
+      <dgm:presOf/>
+      <dgm:constrLst/>
+      <dgm:ruleLst/>
+    </dgm:layoutNode>
+    <dgm:layoutNode name="linH">
+      <dgm:choose name="Name1">
+        <dgm:if name="Name2" func="var" arg="dir" op="equ" val="norm">
+          <dgm:alg type="lin">
+            <dgm:param type="linDir" val="fromL"/>
+            <dgm:param type="nodeVertAlign" val="t"/>
+          </dgm:alg>
+        </dgm:if>
+        <dgm:else name="Name3">
+          <dgm:alg type="lin">
+            <dgm:param type="linDir" val="fromR"/>
+            <dgm:param type="nodeVertAlign" val="t"/>
+          </dgm:alg>
+        </dgm:else>
+      </dgm:choose>
+      <dgm:shape xmlns:r="http://schemas.openxmlformats.org/officeDocument/2006/relationships" r:blip="">
+        <dgm:adjLst/>
+      </dgm:shape>
+      <dgm:presOf/>
+      <dgm:constrLst>
+        <dgm:constr type="primFontSz" for="des" forName="parTx" val="65"/>
+        <dgm:constr type="primFontSz" for="des" forName="desTx" refType="primFontSz" refFor="des" refForName="parTx" op="equ"/>
+        <dgm:constr type="h" for="des" forName="parTx" refType="primFontSz" refFor="des" refForName="parTx"/>
+        <dgm:constr type="h" for="des" forName="desTx" refType="primFontSz" refFor="des" refForName="parTx" fact="0.5"/>
+        <dgm:constr type="h" for="des" forName="parTx" op="equ"/>
+        <dgm:constr type="h" for="des" forName="desTx" op="equ"/>
+        <dgm:constr type="h" for="ch" forName="backgroundArrow" refType="primFontSz" refFor="des" refForName="parTx" fact="2"/>
+        <dgm:constr type="h" for="ch" forName="backgroundArrow" refType="h" refFor="des" refForName="parTx" op="lte" fact="2"/>
+        <dgm:constr type="h" for="ch" forName="backgroundArrow" refType="h" refFor="des" refForName="parTx" op="gte" fact="2"/>
+        <dgm:constr type="h" for="des" forName="spVertical1" refType="primFontSz" refFor="des" refForName="parTx" fact="0.5"/>
+        <dgm:constr type="h" for="des" forName="spVertical1" refType="h" refFor="des" refForName="parTx" op="lte" fact="0.5"/>
+        <dgm:constr type="h" for="des" forName="spVertical1" refType="h" refFor="des" refForName="parTx" op="gte" fact="0.5"/>
+        <dgm:constr type="h" for="des" forName="spVertical2" refType="primFontSz" refFor="des" refForName="parTx" fact="0.5"/>
+        <dgm:constr type="h" for="des" forName="spVertical2" refType="h" refFor="des" refForName="parTx" op="lte" fact="0.5"/>
+        <dgm:constr type="h" for="des" forName="spVertical2" refType="h" refFor="des" refForName="parTx" op="gte" fact="0.5"/>
+        <dgm:constr type="h" for="des" forName="spVertical3" refType="primFontSz" refFor="des" refForName="parTx" fact="-0.4"/>
+        <dgm:constr type="h" for="des" forName="spVertical3" refType="h" refFor="des" refForName="parTx" op="lte" fact="-0.4"/>
+        <dgm:constr type="h" for="des" forName="spVertical3" refType="h" refFor="des" refForName="parTx" op="gte" fact="-0.4"/>
+        <dgm:constr type="w" for="ch" forName="backgroundArrow" refType="w"/>
+        <dgm:constr type="w" for="ch" forName="negArrow" refType="w" fact="-1"/>
+        <dgm:constr type="w" for="ch" forName="linV" refType="w"/>
+        <dgm:constr type="w" for="ch" forName="space" refType="w" refFor="ch" refForName="linV" fact="0.2"/>
+        <dgm:constr type="w" for="ch" forName="padding1" refType="w" fact="0.08"/>
+        <dgm:constr type="userP"/>
+        <dgm:constr type="w" for="ch" forName="padding2" refType="userP"/>
+      </dgm:constrLst>
+      <dgm:ruleLst>
+        <dgm:rule type="w" for="ch" forName="linV" val="0" fact="NaN" max="NaN"/>
+        <dgm:rule type="primFontSz" for="des" forName="parTx" val="5" fact="NaN" max="NaN"/>
+      </dgm:ruleLst>
+      <dgm:layoutNode name="padding1">
+        <dgm:alg type="sp"/>
+        <dgm:shape xmlns:r="http://schemas.openxmlformats.org/officeDocument/2006/relationships" r:blip="">
+          <dgm:adjLst/>
+        </dgm:shape>
+        <dgm:presOf/>
+        <dgm:constrLst/>
+        <dgm:ruleLst/>
+      </dgm:layoutNode>
+      <dgm:forEach name="Name4" axis="ch" ptType="node">
+        <dgm:layoutNode name="linV">
+          <dgm:alg type="lin">
+            <dgm:param type="linDir" val="fromT"/>
+          </dgm:alg>
+          <dgm:shape xmlns:r="http://schemas.openxmlformats.org/officeDocument/2006/relationships" r:blip="">
+            <dgm:adjLst/>
+          </dgm:shape>
+          <dgm:presOf/>
+          <dgm:constrLst>
+            <dgm:constr type="w" for="ch" forName="spVertical1" refType="w"/>
+            <dgm:constr type="w" for="ch" forName="parTx" refType="w"/>
+            <dgm:constr type="w" for="ch" forName="spVertical2" refType="w"/>
+            <dgm:constr type="w" for="ch" forName="spVertical3" refType="w"/>
+            <dgm:constr type="w" for="ch" forName="desTx" refType="w"/>
+          </dgm:constrLst>
+          <dgm:ruleLst/>
+          <dgm:layoutNode name="spVertical1">
+            <dgm:alg type="sp"/>
+            <dgm:shape xmlns:r="http://schemas.openxmlformats.org/officeDocument/2006/relationships" r:blip="">
+              <dgm:adjLst/>
+            </dgm:shape>
+            <dgm:presOf/>
+            <dgm:constrLst/>
+            <dgm:ruleLst/>
+          </dgm:layoutNode>
+          <dgm:layoutNode name="parTx" styleLbl="revTx">
+            <dgm:varLst>
+              <dgm:chMax val="0"/>
+              <dgm:chPref val="0"/>
+              <dgm:bulletEnabled val="1"/>
+            </dgm:varLst>
+            <dgm:choose name="Name5">
+              <dgm:if name="Name6" axis="root des" ptType="all node" func="maxDepth" op="gt" val="1">
+                <dgm:alg type="tx">
+                  <dgm:param type="parTxLTRAlign" val="l"/>
+                  <dgm:param type="parTxRTLAlign" val="r"/>
+                </dgm:alg>
+              </dgm:if>
+              <dgm:else name="Name7">
+                <dgm:alg type="tx">
+                  <dgm:param type="parTxLTRAlign" val="ctr"/>
+                  <dgm:param type="parTxRTLAlign" val="ctr"/>
+                </dgm:alg>
+              </dgm:else>
+            </dgm:choose>
+            <dgm:shape xmlns:r="http://schemas.openxmlformats.org/officeDocument/2006/relationships" type="rect" r:blip="">
+              <dgm:adjLst/>
+            </dgm:shape>
+            <dgm:presOf axis="self" ptType="node"/>
+            <dgm:choose name="Name8">
+              <dgm:if name="Name9" func="var" arg="dir" op="equ" val="norm">
+                <dgm:constrLst>
+                  <dgm:constr type="userT"/>
+                  <dgm:constr type="h" refType="userT" op="lte"/>
+                  <dgm:constr type="tMarg" refType="primFontSz" fact="0.8"/>
+                  <dgm:constr type="bMarg" refType="tMarg"/>
+                  <dgm:constr type="lMarg"/>
+                  <dgm:constr type="rMarg"/>
+                </dgm:constrLst>
+              </dgm:if>
+              <dgm:else name="Name10">
+                <dgm:constrLst>
+                  <dgm:constr type="userT"/>
+                  <dgm:constr type="h" refType="userT" op="lte"/>
+                  <dgm:constr type="tMarg" refType="primFontSz" fact="0.8"/>
+                  <dgm:constr type="bMarg" refType="tMarg"/>
+                  <dgm:constr type="lMarg"/>
+                  <dgm:constr type="rMarg"/>
+                </dgm:constrLst>
+              </dgm:else>
+            </dgm:choose>
+            <dgm:ruleLst>
+              <dgm:rule type="h" val="INF" fact="NaN" max="NaN"/>
+            </dgm:ruleLst>
+          </dgm:layoutNode>
+          <dgm:layoutNode name="spVertical2">
+            <dgm:alg type="sp"/>
+            <dgm:shape xmlns:r="http://schemas.openxmlformats.org/officeDocument/2006/relationships" r:blip="">
+              <dgm:adjLst/>
+            </dgm:shape>
+            <dgm:presOf/>
+            <dgm:constrLst/>
+            <dgm:ruleLst/>
+          </dgm:layoutNode>
+          <dgm:layoutNode name="spVertical3">
+            <dgm:alg type="sp"/>
+            <dgm:shape xmlns:r="http://schemas.openxmlformats.org/officeDocument/2006/relationships" r:blip="">
+              <dgm:adjLst/>
+            </dgm:shape>
+            <dgm:presOf/>
+            <dgm:constrLst/>
+            <dgm:ruleLst/>
+          </dgm:layoutNode>
+          <dgm:choose name="Name11">
+            <dgm:if name="Name12" axis="ch" ptType="node" func="cnt" op="gte" val="1">
+              <dgm:layoutNode name="desTx" styleLbl="revTx">
+                <dgm:varLst>
+                  <dgm:bulletEnabled val="1"/>
+                </dgm:varLst>
+                <dgm:alg type="tx">
+                  <dgm:param type="stBulletLvl" val="1"/>
+                </dgm:alg>
+                <dgm:shape xmlns:r="http://schemas.openxmlformats.org/officeDocument/2006/relationships" type="rect" r:blip="">
+                  <dgm:adjLst/>
+                </dgm:shape>
+                <dgm:presOf axis="des" ptType="node"/>
+                <dgm:constrLst>
+                  <dgm:constr type="tMarg"/>
+                  <dgm:constr type="bMarg"/>
+                  <dgm:constr type="rMarg"/>
+                  <dgm:constr type="lMarg"/>
+                </dgm:constrLst>
+                <dgm:ruleLst>
+                  <dgm:rule type="h" val="INF" fact="NaN" max="NaN"/>
+                </dgm:ruleLst>
+              </dgm:layoutNode>
+            </dgm:if>
+            <dgm:else name="Name13"/>
+          </dgm:choose>
+        </dgm:layoutNode>
+        <dgm:forEach name="Name14" axis="followSib" ptType="sibTrans" cnt="1">
+          <dgm:layoutNode name="space">
+            <dgm:alg type="sp"/>
+            <dgm:shape xmlns:r="http://schemas.openxmlformats.org/officeDocument/2006/relationships" r:blip="">
+              <dgm:adjLst/>
+            </dgm:shape>
+            <dgm:presOf/>
+            <dgm:constrLst/>
+            <dgm:ruleLst/>
+          </dgm:layoutNode>
+        </dgm:forEach>
+      </dgm:forEach>
+      <dgm:layoutNode name="padding2">
+        <dgm:alg type="sp"/>
+        <dgm:shape xmlns:r="http://schemas.openxmlformats.org/officeDocument/2006/relationships" r:blip="">
+          <dgm:adjLst/>
+        </dgm:shape>
+        <dgm:presOf/>
+        <dgm:constrLst/>
+        <dgm:ruleLst/>
+      </dgm:layoutNode>
+      <dgm:layoutNode name="negArrow">
+        <dgm:alg type="sp"/>
+        <dgm:shape xmlns:r="http://schemas.openxmlformats.org/officeDocument/2006/relationships" r:blip="">
+          <dgm:adjLst/>
+        </dgm:shape>
+        <dgm:presOf/>
+        <dgm:constrLst/>
+        <dgm:ruleLst/>
+      </dgm:layoutNode>
+      <dgm:layoutNode name="backgroundArrow" styleLbl="node1">
+        <dgm:alg type="sp"/>
+        <dgm:choose name="Name15">
+          <dgm:if name="Name16" func="var" arg="dir" op="equ" val="norm">
+            <dgm:shape xmlns:r="http://schemas.openxmlformats.org/officeDocument/2006/relationships" type="rightArrow" r:blip="">
+              <dgm:adjLst/>
+            </dgm:shape>
+          </dgm:if>
+          <dgm:else name="Name17">
+            <dgm:shape xmlns:r="http://schemas.openxmlformats.org/officeDocument/2006/relationships" type="leftArrow" r:blip="">
+              <dgm:adjLst/>
+            </dgm:shape>
+          </dgm:else>
+        </dgm:choose>
+        <dgm:presOf/>
+        <dgm:constrLst/>
+        <dgm:ruleLst/>
+      </dgm:layoutNode>
+    </dgm:layoutNode>
+  </dgm:layoutNode>
+</dgm:layoutDef>
+</file>
+
 <file path=ppt/diagrams/quickStyle1.xml><?xml version="1.0" encoding="utf-8"?>
+<dgm:styleDef xmlns:dgm="http://schemas.openxmlformats.org/drawingml/2006/diagram" xmlns:a="http://schemas.openxmlformats.org/drawingml/2006/main" uniqueId="urn:microsoft.com/office/officeart/2005/8/quickstyle/simple4">
+  <dgm:title val=""/>
+  <dgm:desc val=""/>
+  <dgm:catLst>
+    <dgm:cat type="simple" pri="10400"/>
+  </dgm:catLst>
+  <dgm:scene3d>
+    <a:camera prst="orthographicFront"/>
+    <a:lightRig rig="threePt" dir="t"/>
+  </dgm:scene3d>
+  <dgm:styleLbl name="node0">
+    <dgm:scene3d>
+      <a:camera prst="orthographicFront"/>
+      <a:lightRig rig="threePt" dir="t"/>
+    </dgm:scene3d>
+    <dgm:sp3d/>
+    <dgm:txPr/>
+    <dgm:style>
+      <a:lnRef idx="0">
+        <a:scrgbClr r="0" g="0" b="0"/>
+      </a:lnRef>
+      <a:fillRef idx="3">
+        <a:scrgbClr r="0" g="0" b="0"/>
+      </a:fillRef>
+      <a:effectRef idx="2">
+        <a:scrgbClr r="0" g="0" b="0"/>
+      </a:effectRef>
+      <a:fontRef idx="minor">
+        <a:schemeClr val="lt1"/>
+      </a:fontRef>
+    </dgm:style>
+  </dgm:styleLbl>
+  <dgm:styleLbl name="lnNode1">
+    <dgm:scene3d>
+      <a:camera prst="orthographicFront"/>
+      <a:lightRig rig="threePt" dir="t"/>
+    </dgm:scene3d>
+    <dgm:sp3d/>
+    <dgm:txPr/>
+    <dgm:style>
+      <a:lnRef idx="1">
+        <a:scrgbClr r="0" g="0" b="0"/>
+      </a:lnRef>
+      <a:fillRef idx="3">
+        <a:scrgbClr r="0" g="0" b="0"/>
+      </a:fillRef>
+      <a:effectRef idx="2">
+        <a:scrgbClr r="0" g="0" b="0"/>
+      </a:effectRef>
+      <a:fontRef idx="minor">
+        <a:schemeClr val="lt1"/>
+      </a:fontRef>
+    </dgm:style>
+  </dgm:styleLbl>
+  <dgm:styleLbl name="vennNode1">
+    <dgm:scene3d>
+      <a:camera prst="orthographicFront"/>
+      <a:lightRig rig="threePt" dir="t"/>
+    </dgm:scene3d>
+    <dgm:sp3d/>
+    <dgm:txPr/>
+    <dgm:style>
+      <a:lnRef idx="0">
+        <a:scrgbClr r="0" g="0" b="0"/>
+      </a:lnRef>
+      <a:fillRef idx="3">
+        <a:scrgbClr r="0" g="0" b="0"/>
+      </a:fillRef>
+      <a:effectRef idx="0">
+        <a:scrgbClr r="0" g="0" b="0"/>
+      </a:effectRef>
+      <a:fontRef idx="minor">
+        <a:schemeClr val="tx1"/>
+      </a:fontRef>
+    </dgm:style>
+  </dgm:styleLbl>
+  <dgm:styleLbl name="alignNode1">
+    <dgm:scene3d>
+      <a:camera prst="orthographicFront"/>
+      <a:lightRig rig="threePt" dir="t"/>
+    </dgm:scene3d>
+    <dgm:sp3d/>
+    <dgm:txPr/>
+    <dgm:style>
+      <a:lnRef idx="1">
+        <a:scrgbClr r="0" g="0" b="0"/>
+      </a:lnRef>
+      <a:fillRef idx="3">
+        <a:scrgbClr r="0" g="0" b="0"/>
+      </a:fillRef>
+      <a:effectRef idx="2">
+        <a:scrgbClr r="0" g="0" b="0"/>
+      </a:effectRef>
+      <a:fontRef idx="minor">
+        <a:schemeClr val="lt1"/>
+      </a:fontRef>
+    </dgm:style>
+  </dgm:styleLbl>
+  <dgm:styleLbl name="node1">
+    <dgm:scene3d>
+      <a:camera prst="orthographicFront"/>
+      <a:lightRig rig="threePt" dir="t"/>
+    </dgm:scene3d>
+    <dgm:sp3d/>
+    <dgm:txPr/>
+    <dgm:style>
+      <a:lnRef idx="0">
+        <a:scrgbClr r="0" g="0" b="0"/>
+      </a:lnRef>
+      <a:fillRef idx="3">
+        <a:scrgbClr r="0" g="0" b="0"/>
+      </a:fillRef>
+      <a:effectRef idx="2">
+        <a:scrgbClr r="0" g="0" b="0"/>
+      </a:effectRef>
+      <a:fontRef idx="minor">
+        <a:schemeClr val="lt1"/>
+      </a:fontRef>
+    </dgm:style>
+  </dgm:styleLbl>
+  <dgm:styleLbl name="node2">
+    <dgm:scene3d>
+      <a:camera prst="orthographicFront"/>
+      <a:lightRig rig="threePt" dir="t"/>
+    </dgm:scene3d>
+    <dgm:sp3d/>
+    <dgm:txPr/>
+    <dgm:style>
+      <a:lnRef idx="0">
+        <a:scrgbClr r="0" g="0" b="0"/>
+      </a:lnRef>
+      <a:fillRef idx="3">
+        <a:scrgbClr r="0" g="0" b="0"/>
+      </a:fillRef>
+      <a:effectRef idx="2">
+        <a:scrgbClr r="0" g="0" b="0"/>
+      </a:effectRef>
+      <a:fontRef idx="minor">
+        <a:schemeClr val="lt1"/>
+      </a:fontRef>
+    </dgm:style>
+  </dgm:styleLbl>
+  <dgm:styleLbl name="node3">
+    <dgm:scene3d>
+      <a:camera prst="orthographicFront"/>
+      <a:lightRig rig="threePt" dir="t"/>
+    </dgm:scene3d>
+    <dgm:sp3d/>
+    <dgm:txPr/>
+    <dgm:style>
+      <a:lnRef idx="0">
+        <a:scrgbClr r="0" g="0" b="0"/>
+      </a:lnRef>
+      <a:fillRef idx="3">
+        <a:scrgbClr r="0" g="0" b="0"/>
+      </a:fillRef>
+      <a:effectRef idx="2">
+        <a:scrgbClr r="0" g="0" b="0"/>
+      </a:effectRef>
+      <a:fontRef idx="minor">
+        <a:schemeClr val="lt1"/>
+      </a:fontRef>
+    </dgm:style>
+  </dgm:styleLbl>
+  <dgm:styleLbl name="node4">
+    <dgm:scene3d>
+      <a:camera prst="orthographicFront"/>
+      <a:lightRig rig="threePt" dir="t"/>
+    </dgm:scene3d>
+    <dgm:sp3d/>
+    <dgm:txPr/>
+    <dgm:style>
+      <a:lnRef idx="0">
+        <a:scrgbClr r="0" g="0" b="0"/>
+      </a:lnRef>
+      <a:fillRef idx="3">
+        <a:scrgbClr r="0" g="0" b="0"/>
+      </a:fillRef>
+      <a:effectRef idx="2">
+        <a:scrgbClr r="0" g="0" b="0"/>
+      </a:effectRef>
+      <a:fontRef idx="minor">
+        <a:schemeClr val="lt1"/>
+      </a:fontRef>
+    </dgm:style>
+  </dgm:styleLbl>
+  <dgm:styleLbl name="fgImgPlace1">
+    <dgm:scene3d>
+      <a:camera prst="orthographicFront"/>
+      <a:lightRig rig="threePt" dir="t"/>
+    </dgm:scene3d>
+    <dgm:sp3d/>
+    <dgm:txPr/>
+    <dgm:style>
+      <a:lnRef idx="0">
+        <a:scrgbClr r="0" g="0" b="0"/>
+      </a:lnRef>
+      <a:fillRef idx="1">
+        <a:scrgbClr r="0" g="0" b="0"/>
+      </a:fillRef>
+      <a:effectRef idx="2">
+        <a:scrgbClr r="0" g="0" b="0"/>
+      </a:effectRef>
+      <a:fontRef idx="minor"/>
+    </dgm:style>
+  </dgm:styleLbl>
+  <dgm:styleLbl name="alignImgPlace1">
+    <dgm:scene3d>
+      <a:camera prst="orthographicFront"/>
+      <a:lightRig rig="threePt" dir="t"/>
+    </dgm:scene3d>
+    <dgm:sp3d/>
+    <dgm:txPr/>
+    <dgm:style>
+      <a:lnRef idx="0">
+        <a:scrgbClr r="0" g="0" b="0"/>
+      </a:lnRef>
+      <a:fillRef idx="1">
+        <a:scrgbClr r="0" g="0" b="0"/>
+      </a:fillRef>
+      <a:effectRef idx="2">
+        <a:scrgbClr r="0" g="0" b="0"/>
+      </a:effectRef>
+      <a:fontRef idx="minor"/>
+    </dgm:style>
+  </dgm:styleLbl>
+  <dgm:styleLbl name="bgImgPlace1">
+    <dgm:scene3d>
+      <a:camera prst="orthographicFront"/>
+      <a:lightRig rig="threePt" dir="t"/>
+    </dgm:scene3d>
+    <dgm:sp3d/>
+    <dgm:txPr/>
+    <dgm:style>
+      <a:lnRef idx="0">
+        <a:scrgbClr r="0" g="0" b="0"/>
+      </a:lnRef>
+      <a:fillRef idx="1">
+        <a:scrgbClr r="0" g="0" b="0"/>
+      </a:fillRef>
+      <a:effectRef idx="2">
+        <a:scrgbClr r="0" g="0" b="0"/>
+      </a:effectRef>
+      <a:fontRef idx="minor"/>
+    </dgm:style>
+  </dgm:styleLbl>
+  <dgm:styleLbl name="sibTrans2D1">
+    <dgm:scene3d>
+      <a:camera prst="orthographicFront"/>
+      <a:lightRig rig="threePt" dir="t"/>
+    </dgm:scene3d>
+    <dgm:sp3d/>
+    <dgm:txPr/>
+    <dgm:style>
+      <a:lnRef idx="0">
+        <a:scrgbClr r="0" g="0" b="0"/>
+      </a:lnRef>
+      <a:fillRef idx="3">
+        <a:scrgbClr r="0" g="0" b="0"/>
+      </a:fillRef>
+      <a:effectRef idx="2">
+        <a:scrgbClr r="0" g="0" b="0"/>
+      </a:effectRef>
+      <a:fontRef idx="minor">
+        <a:schemeClr val="lt1"/>
+      </a:fontRef>
+    </dgm:style>
+  </dgm:styleLbl>
+  <dgm:styleLbl name="fgSibTrans2D1">
+    <dgm:scene3d>
+      <a:camera prst="orthographicFront"/>
+      <a:lightRig rig="threePt" dir="t"/>
+    </dgm:scene3d>
+    <dgm:sp3d/>
+    <dgm:txPr/>
+    <dgm:style>
+      <a:lnRef idx="0">
+        <a:scrgbClr r="0" g="0" b="0"/>
+      </a:lnRef>
+      <a:fillRef idx="3">
+        <a:scrgbClr r="0" g="0" b="0"/>
+      </a:fillRef>
+      <a:effectRef idx="2">
+        <a:scrgbClr r="0" g="0" b="0"/>
+      </a:effectRef>
+      <a:fontRef idx="minor">
+        <a:schemeClr val="lt1"/>
+      </a:fontRef>
+    </dgm:style>
+  </dgm:styleLbl>
+  <dgm:styleLbl name="bgSibTrans2D1">
+    <dgm:scene3d>
+      <a:camera prst="orthographicFront"/>
+      <a:lightRig rig="threePt" dir="t"/>
+    </dgm:scene3d>
+    <dgm:sp3d/>
+    <dgm:txPr/>
+    <dgm:style>
+      <a:lnRef idx="0">
+        <a:scrgbClr r="0" g="0" b="0"/>
+      </a:lnRef>
+      <a:fillRef idx="3">
+        <a:scrgbClr r="0" g="0" b="0"/>
+      </a:fillRef>
+      <a:effectRef idx="2">
+        <a:scrgbClr r="0" g="0" b="0"/>
+      </a:effectRef>
+      <a:fontRef idx="minor">
+        <a:schemeClr val="lt1"/>
+      </a:fontRef>
+    </dgm:style>
+  </dgm:styleLbl>
+  <dgm:styleLbl name="sibTrans1D1">
+    <dgm:scene3d>
+      <a:camera prst="orthographicFront"/>
+      <a:lightRig rig="threePt" dir="t"/>
+    </dgm:scene3d>
+    <dgm:sp3d/>
+    <dgm:txPr/>
+    <dgm:style>
+      <a:lnRef idx="1">
+        <a:scrgbClr r="0" g="0" b="0"/>
+      </a:lnRef>
+      <a:fillRef idx="0">
+        <a:scrgbClr r="0" g="0" b="0"/>
+      </a:fillRef>
+      <a:effectRef idx="0">
+        <a:scrgbClr r="0" g="0" b="0"/>
+      </a:effectRef>
+      <a:fontRef idx="minor"/>
+    </dgm:style>
+  </dgm:styleLbl>
+  <dgm:styleLbl name="callout">
+    <dgm:scene3d>
+      <a:camera prst="orthographicFront"/>
+      <a:lightRig rig="threePt" dir="t"/>
+    </dgm:scene3d>
+    <dgm:sp3d/>
+    <dgm:txPr/>
+    <dgm:style>
+      <a:lnRef idx="2">
+        <a:scrgbClr r="0" g="0" b="0"/>
+      </a:lnRef>
+      <a:fillRef idx="1">
+        <a:scrgbClr r="0" g="0" b="0"/>
+      </a:fillRef>
+      <a:effectRef idx="1">
+        <a:scrgbClr r="0" g="0" b="0"/>
+      </a:effectRef>
+      <a:fontRef idx="minor"/>
+    </dgm:style>
+  </dgm:styleLbl>
+  <dgm:styleLbl name="asst0">
+    <dgm:scene3d>
+      <a:camera prst="orthographicFront"/>
+      <a:lightRig rig="threePt" dir="t"/>
+    </dgm:scene3d>
+    <dgm:sp3d/>
+    <dgm:txPr/>
+    <dgm:style>
+      <a:lnRef idx="0">
+        <a:scrgbClr r="0" g="0" b="0"/>
+      </a:lnRef>
+      <a:fillRef idx="3">
+        <a:scrgbClr r="0" g="0" b="0"/>
+      </a:fillRef>
+      <a:effectRef idx="2">
+        <a:scrgbClr r="0" g="0" b="0"/>
+      </a:effectRef>
+      <a:fontRef idx="minor">
+        <a:schemeClr val="lt1"/>
+      </a:fontRef>
+    </dgm:style>
+  </dgm:styleLbl>
+  <dgm:styleLbl name="asst1">
+    <dgm:scene3d>
+      <a:camera prst="orthographicFront"/>
+      <a:lightRig rig="threePt" dir="t"/>
+    </dgm:scene3d>
+    <dgm:sp3d/>
+    <dgm:txPr/>
+    <dgm:style>
+      <a:lnRef idx="0">
+        <a:scrgbClr r="0" g="0" b="0"/>
+      </a:lnRef>
+      <a:fillRef idx="3">
+        <a:scrgbClr r="0" g="0" b="0"/>
+      </a:fillRef>
+      <a:effectRef idx="2">
+        <a:scrgbClr r="0" g="0" b="0"/>
+      </a:effectRef>
+      <a:fontRef idx="minor">
+        <a:schemeClr val="lt1"/>
+      </a:fontRef>
+    </dgm:style>
+  </dgm:styleLbl>
+  <dgm:styleLbl name="asst2">
+    <dgm:scene3d>
+      <a:camera prst="orthographicFront"/>
+      <a:lightRig rig="threePt" dir="t"/>
+    </dgm:scene3d>
+    <dgm:sp3d/>
+    <dgm:txPr/>
+    <dgm:style>
+      <a:lnRef idx="0">
+        <a:scrgbClr r="0" g="0" b="0"/>
+      </a:lnRef>
+      <a:fillRef idx="3">
+        <a:scrgbClr r="0" g="0" b="0"/>
+      </a:fillRef>
+      <a:effectRef idx="2">
+        <a:scrgbClr r="0" g="0" b="0"/>
+      </a:effectRef>
+      <a:fontRef idx="minor">
+        <a:schemeClr val="lt1"/>
+      </a:fontRef>
+    </dgm:style>
+  </dgm:styleLbl>
+  <dgm:styleLbl name="asst3">
+    <dgm:scene3d>
+      <a:camera prst="orthographicFront"/>
+      <a:lightRig rig="threePt" dir="t"/>
+    </dgm:scene3d>
+    <dgm:sp3d/>
+    <dgm:txPr/>
+    <dgm:style>
+      <a:lnRef idx="0">
+        <a:scrgbClr r="0" g="0" b="0"/>
+      </a:lnRef>
+      <a:fillRef idx="3">
+        <a:scrgbClr r="0" g="0" b="0"/>
+      </a:fillRef>
+      <a:effectRef idx="2">
+        <a:scrgbClr r="0" g="0" b="0"/>
+      </a:effectRef>
+      <a:fontRef idx="minor">
+        <a:schemeClr val="lt1"/>
+      </a:fontRef>
+    </dgm:style>
+  </dgm:styleLbl>
+  <dgm:styleLbl name="asst4">
+    <dgm:scene3d>
+      <a:camera prst="orthographicFront"/>
+      <a:lightRig rig="threePt" dir="t"/>
+    </dgm:scene3d>
+    <dgm:sp3d/>
+    <dgm:txPr/>
+    <dgm:style>
+      <a:lnRef idx="0">
+        <a:scrgbClr r="0" g="0" b="0"/>
+      </a:lnRef>
+      <a:fillRef idx="3">
+        <a:scrgbClr r="0" g="0" b="0"/>
+      </a:fillRef>
+      <a:effectRef idx="2">
+        <a:scrgbClr r="0" g="0" b="0"/>
+      </a:effectRef>
+      <a:fontRef idx="minor">
+        <a:schemeClr val="lt1"/>
+      </a:fontRef>
+    </dgm:style>
+  </dgm:styleLbl>
+  <dgm:styleLbl name="parChTrans2D1">
+    <dgm:scene3d>
+      <a:camera prst="orthographicFront"/>
+      <a:lightRig rig="threePt" dir="t"/>
+    </dgm:scene3d>
+    <dgm:sp3d/>
+    <dgm:txPr/>
+    <dgm:style>
+      <a:lnRef idx="0">
+        <a:scrgbClr r="0" g="0" b="0"/>
+      </a:lnRef>
+      <a:fillRef idx="3">
+        <a:scrgbClr r="0" g="0" b="0"/>
+      </a:fillRef>
+      <a:effectRef idx="2">
+        <a:scrgbClr r="0" g="0" b="0"/>
+      </a:effectRef>
+      <a:fontRef idx="minor">
+        <a:schemeClr val="lt1"/>
+      </a:fontRef>
+    </dgm:style>
+  </dgm:styleLbl>
+  <dgm:styleLbl name="parChTrans2D2">
+    <dgm:scene3d>
+      <a:camera prst="orthographicFront"/>
+      <a:lightRig rig="threePt" dir="t"/>
+    </dgm:scene3d>
+    <dgm:sp3d/>
+    <dgm:txPr/>
+    <dgm:style>
+      <a:lnRef idx="0">
+        <a:scrgbClr r="0" g="0" b="0"/>
+      </a:lnRef>
+      <a:fillRef idx="3">
+        <a:scrgbClr r="0" g="0" b="0"/>
+      </a:fillRef>
+      <a:effectRef idx="2">
+        <a:scrgbClr r="0" g="0" b="0"/>
+      </a:effectRef>
+      <a:fontRef idx="minor">
+        <a:schemeClr val="lt1"/>
+      </a:fontRef>
+    </dgm:style>
+  </dgm:styleLbl>
+  <dgm:styleLbl name="parChTrans2D3">
+    <dgm:scene3d>
+      <a:camera prst="orthographicFront"/>
+      <a:lightRig rig="threePt" dir="t"/>
+    </dgm:scene3d>
+    <dgm:sp3d/>
+    <dgm:txPr/>
+    <dgm:style>
+      <a:lnRef idx="1">
+        <a:scrgbClr r="0" g="0" b="0"/>
+      </a:lnRef>
+      <a:fillRef idx="3">
+        <a:scrgbClr r="0" g="0" b="0"/>
+      </a:fillRef>
+      <a:effectRef idx="2">
+        <a:scrgbClr r="0" g="0" b="0"/>
+      </a:effectRef>
+      <a:fontRef idx="minor">
+        <a:schemeClr val="lt1"/>
+      </a:fontRef>
+    </dgm:style>
+  </dgm:styleLbl>
+  <dgm:styleLbl name="parChTrans2D4">
+    <dgm:scene3d>
+      <a:camera prst="orthographicFront"/>
+      <a:lightRig rig="threePt" dir="t"/>
+    </dgm:scene3d>
+    <dgm:sp3d/>
+    <dgm:txPr/>
+    <dgm:style>
+      <a:lnRef idx="1">
+        <a:scrgbClr r="0" g="0" b="0"/>
+      </a:lnRef>
+      <a:fillRef idx="3">
+        <a:scrgbClr r="0" g="0" b="0"/>
+      </a:fillRef>
+      <a:effectRef idx="2">
+        <a:scrgbClr r="0" g="0" b="0"/>
+      </a:effectRef>
+      <a:fontRef idx="minor">
+        <a:schemeClr val="lt1"/>
+      </a:fontRef>
+    </dgm:style>
+  </dgm:styleLbl>
+  <dgm:styleLbl name="parChTrans1D1">
+    <dgm:scene3d>
+      <a:camera prst="orthographicFront"/>
+      <a:lightRig rig="threePt" dir="t"/>
+    </dgm:scene3d>
+    <dgm:sp3d/>
+    <dgm:txPr/>
+    <dgm:style>
+      <a:lnRef idx="1">
+        <a:scrgbClr r="0" g="0" b="0"/>
+      </a:lnRef>
+      <a:fillRef idx="0">
+        <a:scrgbClr r="0" g="0" b="0"/>
+      </a:fillRef>
+      <a:effectRef idx="0">
+        <a:scrgbClr r="0" g="0" b="0"/>
+      </a:effectRef>
+      <a:fontRef idx="minor"/>
+    </dgm:style>
+  </dgm:styleLbl>
+  <dgm:styleLbl name="parChTrans1D2">
+    <dgm:scene3d>
+      <a:camera prst="orthographicFront"/>
+      <a:lightRig rig="threePt" dir="t"/>
+    </dgm:scene3d>
+    <dgm:sp3d/>
+    <dgm:txPr/>
+    <dgm:style>
+      <a:lnRef idx="1">
+        <a:scrgbClr r="0" g="0" b="0"/>
+      </a:lnRef>
+      <a:fillRef idx="0">
+        <a:scrgbClr r="0" g="0" b="0"/>
+      </a:fillRef>
+      <a:effectRef idx="0">
+        <a:scrgbClr r="0" g="0" b="0"/>
+      </a:effectRef>
+      <a:fontRef idx="minor"/>
+    </dgm:style>
+  </dgm:styleLbl>
+  <dgm:styleLbl name="parChTrans1D3">
+    <dgm:scene3d>
+      <a:camera prst="orthographicFront"/>
+      <a:lightRig rig="threePt" dir="t"/>
+    </dgm:scene3d>
+    <dgm:sp3d/>
+    <dgm:txPr/>
+    <dgm:style>
+      <a:lnRef idx="1">
+        <a:scrgbClr r="0" g="0" b="0"/>
+      </a:lnRef>
+      <a:fillRef idx="0">
+        <a:scrgbClr r="0" g="0" b="0"/>
+      </a:fillRef>
+      <a:effectRef idx="0">
+        <a:scrgbClr r="0" g="0" b="0"/>
+      </a:effectRef>
+      <a:fontRef idx="minor"/>
+    </dgm:style>
+  </dgm:styleLbl>
+  <dgm:styleLbl name="parChTrans1D4">
+    <dgm:scene3d>
+      <a:camera prst="orthographicFront"/>
+      <a:lightRig rig="threePt" dir="t"/>
+    </dgm:scene3d>
+    <dgm:sp3d/>
+    <dgm:txPr/>
+    <dgm:style>
+      <a:lnRef idx="1">
+        <a:scrgbClr r="0" g="0" b="0"/>
+      </a:lnRef>
+      <a:fillRef idx="0">
+        <a:scrgbClr r="0" g="0" b="0"/>
+      </a:fillRef>
+      <a:effectRef idx="0">
+        <a:scrgbClr r="0" g="0" b="0"/>
+      </a:effectRef>
+      <a:fontRef idx="minor"/>
+    </dgm:style>
+  </dgm:styleLbl>
+  <dgm:styleLbl name="fgAcc1">
+    <dgm:scene3d>
+      <a:camera prst="orthographicFront"/>
+      <a:lightRig rig="threePt" dir="t"/>
+    </dgm:scene3d>
+    <dgm:sp3d/>
+    <dgm:txPr/>
+    <dgm:style>
+      <a:lnRef idx="1">
+        <a:scrgbClr r="0" g="0" b="0"/>
+      </a:lnRef>
+      <a:fillRef idx="1">
+        <a:scrgbClr r="0" g="0" b="0"/>
+      </a:fillRef>
+      <a:effectRef idx="0">
+        <a:scrgbClr r="0" g="0" b="0"/>
+      </a:effectRef>
+      <a:fontRef idx="minor"/>
+    </dgm:style>
+  </dgm:styleLbl>
+  <dgm:styleLbl name="conFgAcc1">
+    <dgm:scene3d>
+      <a:camera prst="orthographicFront"/>
+      <a:lightRig rig="threePt" dir="t"/>
+    </dgm:scene3d>
+    <dgm:sp3d/>
+    <dgm:txPr/>
+    <dgm:style>
+      <a:lnRef idx="1">
+        <a:scrgbClr r="0" g="0" b="0"/>
+      </a:lnRef>
+      <a:fillRef idx="1">
+        <a:scrgbClr r="0" g="0" b="0"/>
+      </a:fillRef>
+      <a:effectRef idx="0">
+        <a:scrgbClr r="0" g="0" b="0"/>
+      </a:effectRef>
+      <a:fontRef idx="minor"/>
+    </dgm:style>
+  </dgm:styleLbl>
+  <dgm:styleLbl name="alignAcc1">
+    <dgm:scene3d>
+      <a:camera prst="orthographicFront"/>
+      <a:lightRig rig="threePt" dir="t"/>
+    </dgm:scene3d>
+    <dgm:sp3d/>
+    <dgm:txPr/>
+    <dgm:style>
+      <a:lnRef idx="1">
+        <a:scrgbClr r="0" g="0" b="0"/>
+      </a:lnRef>
+      <a:fillRef idx="1">
+        <a:scrgbClr r="0" g="0" b="0"/>
+      </a:fillRef>
+      <a:effectRef idx="0">
+        <a:scrgbClr r="0" g="0" b="0"/>
+      </a:effectRef>
+      <a:fontRef idx="minor"/>
+    </dgm:style>
+  </dgm:styleLbl>
+  <dgm:styleLbl name="trAlignAcc1">
+    <dgm:scene3d>
+      <a:camera prst="orthographicFront"/>
+      <a:lightRig rig="threePt" dir="t"/>
+    </dgm:scene3d>
+    <dgm:sp3d/>
+    <dgm:txPr/>
+    <dgm:style>
+      <a:lnRef idx="1">
+        <a:scrgbClr r="0" g="0" b="0"/>
+      </a:lnRef>
+      <a:fillRef idx="1">
+        <a:scrgbClr r="0" g="0" b="0"/>
+      </a:fillRef>
+      <a:effectRef idx="0">
+        <a:scrgbClr r="0" g="0" b="0"/>
+      </a:effectRef>
+      <a:fontRef idx="minor"/>
+    </dgm:style>
+  </dgm:styleLbl>
+  <dgm:styleLbl name="bgAcc1">
+    <dgm:scene3d>
+      <a:camera prst="orthographicFront"/>
+      <a:lightRig rig="threePt" dir="t"/>
+    </dgm:scene3d>
+    <dgm:sp3d/>
+    <dgm:txPr/>
+    <dgm:style>
+      <a:lnRef idx="1">
+        <a:scrgbClr r="0" g="0" b="0"/>
+      </a:lnRef>
+      <a:fillRef idx="1">
+        <a:scrgbClr r="0" g="0" b="0"/>
+      </a:fillRef>
+      <a:effectRef idx="0">
+        <a:scrgbClr r="0" g="0" b="0"/>
+      </a:effectRef>
+      <a:fontRef idx="minor"/>
+    </dgm:style>
+  </dgm:styleLbl>
+  <dgm:styleLbl name="solidFgAcc1">
+    <dgm:scene3d>
+      <a:camera prst="orthographicFront"/>
+      <a:lightRig rig="threePt" dir="t"/>
+    </dgm:scene3d>
+    <dgm:sp3d/>
+    <dgm:txPr/>
+    <dgm:style>
+      <a:lnRef idx="1">
+        <a:scrgbClr r="0" g="0" b="0"/>
+      </a:lnRef>
+      <a:fillRef idx="1">
+        <a:scrgbClr r="0" g="0" b="0"/>
+      </a:fillRef>
+      <a:effectRef idx="0">
+        <a:scrgbClr r="0" g="0" b="0"/>
+      </a:effectRef>
+      <a:fontRef idx="minor"/>
+    </dgm:style>
+  </dgm:styleLbl>
+  <dgm:styleLbl name="solidAlignAcc1">
+    <dgm:scene3d>
+      <a:camera prst="orthographicFront"/>
+      <a:lightRig rig="threePt" dir="t"/>
+    </dgm:scene3d>
+    <dgm:sp3d/>
+    <dgm:txPr/>
+    <dgm:style>
+      <a:lnRef idx="1">
+        <a:scrgbClr r="0" g="0" b="0"/>
+      </a:lnRef>
+      <a:fillRef idx="1">
+        <a:scrgbClr r="0" g="0" b="0"/>
+      </a:fillRef>
+      <a:effectRef idx="0">
+        <a:scrgbClr r="0" g="0" b="0"/>
+      </a:effectRef>
+      <a:fontRef idx="minor"/>
+    </dgm:style>
+  </dgm:styleLbl>
+  <dgm:styleLbl name="solidBgAcc1">
+    <dgm:scene3d>
+      <a:camera prst="orthographicFront"/>
+      <a:lightRig rig="threePt" dir="t"/>
+    </dgm:scene3d>
+    <dgm:sp3d/>
+    <dgm:txPr/>
+    <dgm:style>
+      <a:lnRef idx="1">
+        <a:scrgbClr r="0" g="0" b="0"/>
+      </a:lnRef>
+      <a:fillRef idx="1">
+        <a:scrgbClr r="0" g="0" b="0"/>
+      </a:fillRef>
+      <a:effectRef idx="0">
+        <a:scrgbClr r="0" g="0" b="0"/>
+      </a:effectRef>
+      <a:fontRef idx="minor"/>
+    </dgm:style>
+  </dgm:styleLbl>
+  <dgm:styleLbl name="fgAccFollowNode1">
+    <dgm:scene3d>
+      <a:camera prst="orthographicFront"/>
+      <a:lightRig rig="threePt" dir="t"/>
+    </dgm:scene3d>
+    <dgm:sp3d/>
+    <dgm:txPr/>
+    <dgm:style>
+      <a:lnRef idx="1">
+        <a:scrgbClr r="0" g="0" b="0"/>
+      </a:lnRef>
+      <a:fillRef idx="1">
+        <a:scrgbClr r="0" g="0" b="0"/>
+      </a:fillRef>
+      <a:effectRef idx="0">
+        <a:scrgbClr r="0" g="0" b="0"/>
+      </a:effectRef>
+      <a:fontRef idx="minor"/>
+    </dgm:style>
+  </dgm:styleLbl>
+  <dgm:styleLbl name="alignAccFollowNode1">
+    <dgm:scene3d>
+      <a:camera prst="orthographicFront"/>
+      <a:lightRig rig="threePt" dir="t"/>
+    </dgm:scene3d>
+    <dgm:sp3d/>
+    <dgm:txPr/>
+    <dgm:style>
+      <a:lnRef idx="1">
+        <a:scrgbClr r="0" g="0" b="0"/>
+      </a:lnRef>
+      <a:fillRef idx="1">
+        <a:scrgbClr r="0" g="0" b="0"/>
+      </a:fillRef>
+      <a:effectRef idx="0">
+        <a:scrgbClr r="0" g="0" b="0"/>
+      </a:effectRef>
+      <a:fontRef idx="minor"/>
+    </dgm:style>
+  </dgm:styleLbl>
+  <dgm:styleLbl name="bgAccFollowNode1">
+    <dgm:scene3d>
+      <a:camera prst="orthographicFront"/>
+      <a:lightRig rig="threePt" dir="t"/>
+    </dgm:scene3d>
+    <dgm:sp3d/>
+    <dgm:txPr/>
+    <dgm:style>
+      <a:lnRef idx="1">
+        <a:scrgbClr r="0" g="0" b="0"/>
+      </a:lnRef>
+      <a:fillRef idx="1">
+        <a:scrgbClr r="0" g="0" b="0"/>
+      </a:fillRef>
+      <a:effectRef idx="0">
+        <a:scrgbClr r="0" g="0" b="0"/>
+      </a:effectRef>
+      <a:fontRef idx="minor"/>
+    </dgm:style>
+  </dgm:styleLbl>
+  <dgm:styleLbl name="fgAcc0">
+    <dgm:scene3d>
+      <a:camera prst="orthographicFront"/>
+      <a:lightRig rig="threePt" dir="t"/>
+    </dgm:scene3d>
+    <dgm:sp3d/>
+    <dgm:txPr/>
+    <dgm:style>
+      <a:lnRef idx="1">
+        <a:scrgbClr r="0" g="0" b="0"/>
+      </a:lnRef>
+      <a:fillRef idx="1">
+        <a:scrgbClr r="0" g="0" b="0"/>
+      </a:fillRef>
+      <a:effectRef idx="0">
+        <a:scrgbClr r="0" g="0" b="0"/>
+      </a:effectRef>
+      <a:fontRef idx="minor"/>
+    </dgm:style>
+  </dgm:styleLbl>
+  <dgm:styleLbl name="fgAcc2">
+    <dgm:scene3d>
+      <a:camera prst="orthographicFront"/>
+      <a:lightRig rig="threePt" dir="t"/>
+    </dgm:scene3d>
+    <dgm:sp3d/>
+    <dgm:txPr/>
+    <dgm:style>
+      <a:lnRef idx="1">
+        <a:scrgbClr r="0" g="0" b="0"/>
+      </a:lnRef>
+      <a:fillRef idx="1">
+        <a:scrgbClr r="0" g="0" b="0"/>
+      </a:fillRef>
+      <a:effectRef idx="0">
+        <a:scrgbClr r="0" g="0" b="0"/>
+      </a:effectRef>
+      <a:fontRef idx="minor"/>
+    </dgm:style>
+  </dgm:styleLbl>
+  <dgm:styleLbl name="fgAcc3">
+    <dgm:scene3d>
+      <a:camera prst="orthographicFront"/>
+      <a:lightRig rig="threePt" dir="t"/>
+    </dgm:scene3d>
+    <dgm:sp3d/>
+    <dgm:txPr/>
+    <dgm:style>
+      <a:lnRef idx="1">
+        <a:scrgbClr r="0" g="0" b="0"/>
+      </a:lnRef>
+      <a:fillRef idx="1">
+        <a:scrgbClr r="0" g="0" b="0"/>
+      </a:fillRef>
+      <a:effectRef idx="0">
+        <a:scrgbClr r="0" g="0" b="0"/>
+      </a:effectRef>
+      <a:fontRef idx="minor"/>
+    </dgm:style>
+  </dgm:styleLbl>
+  <dgm:styleLbl name="fgAcc4">
+    <dgm:scene3d>
+      <a:camera prst="orthographicFront"/>
+      <a:lightRig rig="threePt" dir="t"/>
+    </dgm:scene3d>
+    <dgm:sp3d/>
+    <dgm:txPr/>
+    <dgm:style>
+      <a:lnRef idx="1">
+        <a:scrgbClr r="0" g="0" b="0"/>
+      </a:lnRef>
+      <a:fillRef idx="1">
+        <a:scrgbClr r="0" g="0" b="0"/>
+      </a:fillRef>
+      <a:effectRef idx="0">
+        <a:scrgbClr r="0" g="0" b="0"/>
+      </a:effectRef>
+      <a:fontRef idx="minor"/>
+    </dgm:style>
+  </dgm:styleLbl>
+  <dgm:styleLbl name="bgShp">
+    <dgm:scene3d>
+      <a:camera prst="orthographicFront"/>
+      <a:lightRig rig="threePt" dir="t"/>
+    </dgm:scene3d>
+    <dgm:sp3d/>
+    <dgm:txPr/>
+    <dgm:style>
+      <a:lnRef idx="0">
+        <a:scrgbClr r="0" g="0" b="0"/>
+      </a:lnRef>
+      <a:fillRef idx="1">
+        <a:scrgbClr r="0" g="0" b="0"/>
+      </a:fillRef>
+      <a:effectRef idx="2">
+        <a:scrgbClr r="0" g="0" b="0"/>
+      </a:effectRef>
+      <a:fontRef idx="minor"/>
+    </dgm:style>
+  </dgm:styleLbl>
+  <dgm:styleLbl name="dkBgShp">
+    <dgm:scene3d>
+      <a:camera prst="orthographicFront"/>
+      <a:lightRig rig="threePt" dir="t"/>
+    </dgm:scene3d>
+    <dgm:sp3d/>
+    <dgm:txPr/>
+    <dgm:style>
+      <a:lnRef idx="0">
+        <a:scrgbClr r="0" g="0" b="0"/>
+      </a:lnRef>
+      <a:fillRef idx="1">
+        <a:scrgbClr r="0" g="0" b="0"/>
+      </a:fillRef>
+      <a:effectRef idx="2">
+        <a:scrgbClr r="0" g="0" b="0"/>
+      </a:effectRef>
+      <a:fontRef idx="minor"/>
+    </dgm:style>
+  </dgm:styleLbl>
+  <dgm:styleLbl name="trBgShp">
+    <dgm:scene3d>
+      <a:camera prst="orthographicFront"/>
+      <a:lightRig rig="threePt" dir="t"/>
+    </dgm:scene3d>
+    <dgm:sp3d/>
+    <dgm:txPr/>
+    <dgm:style>
+      <a:lnRef idx="0">
+        <a:scrgbClr r="0" g="0" b="0"/>
+      </a:lnRef>
+      <a:fillRef idx="1">
+        <a:scrgbClr r="0" g="0" b="0"/>
+      </a:fillRef>
+      <a:effectRef idx="0">
+        <a:scrgbClr r="0" g="0" b="0"/>
+      </a:effectRef>
+      <a:fontRef idx="minor"/>
+    </dgm:style>
+  </dgm:styleLbl>
+  <dgm:styleLbl name="fgShp">
+    <dgm:scene3d>
+      <a:camera prst="orthographicFront"/>
+      <a:lightRig rig="threePt" dir="t"/>
+    </dgm:scene3d>
+    <dgm:sp3d/>
+    <dgm:txPr/>
+    <dgm:style>
+      <a:lnRef idx="0">
+        <a:scrgbClr r="0" g="0" b="0"/>
+      </a:lnRef>
+      <a:fillRef idx="3">
+        <a:scrgbClr r="0" g="0" b="0"/>
+      </a:fillRef>
+      <a:effectRef idx="2">
+        <a:scrgbClr r="0" g="0" b="0"/>
+      </a:effectRef>
+      <a:fontRef idx="minor"/>
+    </dgm:style>
+  </dgm:styleLbl>
+  <dgm:styleLbl name="revTx">
+    <dgm:scene3d>
+      <a:camera prst="orthographicFront"/>
+      <a:lightRig rig="threePt" dir="t"/>
+    </dgm:scene3d>
+    <dgm:sp3d/>
+    <dgm:txPr/>
+    <dgm:style>
+      <a:lnRef idx="0">
+        <a:scrgbClr r="0" g="0" b="0"/>
+      </a:lnRef>
+      <a:fillRef idx="0">
+        <a:scrgbClr r="0" g="0" b="0"/>
+      </a:fillRef>
+      <a:effectRef idx="0">
+        <a:scrgbClr r="0" g="0" b="0"/>
+      </a:effectRef>
+      <a:fontRef idx="minor"/>
+    </dgm:style>
+  </dgm:styleLbl>
+</dgm:styleDef>
+</file>
+
+<file path=ppt/diagrams/quickStyle2.xml><?xml version="1.0" encoding="utf-8"?>
 <dgm:styleDef xmlns:dgm="http://schemas.openxmlformats.org/drawingml/2006/diagram" xmlns:a="http://schemas.openxmlformats.org/drawingml/2006/main" uniqueId="urn:microsoft.com/office/officeart/2005/8/quickstyle/simple4">
   <dgm:title val=""/>
   <dgm:desc val=""/>
@@ -7344,11 +9633,11 @@
   <p:clrMapOvr>
     <a:masterClrMapping/>
   </p:clrMapOvr>
-  <mc:AlternateContent xmlns:mc="http://schemas.openxmlformats.org/markup-compatibility/2006">
-    <mc:Choice xmlns:p14="http://schemas.microsoft.com/office/powerpoint/2010/main" Requires="p14">
+  <mc:AlternateContent xmlns:mc="http://schemas.openxmlformats.org/markup-compatibility/2006" xmlns:p14="http://schemas.microsoft.com/office/powerpoint/2010/main">
+    <mc:Choice Requires="p14">
       <p:transition spd="slow" p14:dur="2000" advClick="0" advTm="0"/>
     </mc:Choice>
-    <mc:Fallback>
+    <mc:Fallback xmlns="">
       <p:transition xmlns:p14="http://schemas.microsoft.com/office/powerpoint/2010/main" spd="slow" advClick="0" advTm="0"/>
     </mc:Fallback>
   </mc:AlternateContent>
@@ -7765,13 +10054,13 @@
   <p:clrMapOvr>
     <a:masterClrMapping/>
   </p:clrMapOvr>
-  <mc:AlternateContent xmlns:mc="http://schemas.openxmlformats.org/markup-compatibility/2006">
-    <mc:Choice xmlns:p14="http://schemas.microsoft.com/office/powerpoint/2010/main" Requires="p14">
+  <mc:AlternateContent xmlns:mc="http://schemas.openxmlformats.org/markup-compatibility/2006" xmlns:p14="http://schemas.microsoft.com/office/powerpoint/2010/main">
+    <mc:Choice Requires="p14">
       <p:transition spd="med" p14:dur="700">
         <p:fade/>
       </p:transition>
     </mc:Choice>
-    <mc:Fallback>
+    <mc:Fallback xmlns="">
       <p:transition xmlns:p14="http://schemas.microsoft.com/office/powerpoint/2010/main" spd="med">
         <p:fade/>
       </p:transition>
@@ -8581,13 +10870,13 @@
   <p:clrMapOvr>
     <a:masterClrMapping/>
   </p:clrMapOvr>
-  <mc:AlternateContent xmlns:mc="http://schemas.openxmlformats.org/markup-compatibility/2006">
-    <mc:Choice xmlns:p14="http://schemas.microsoft.com/office/powerpoint/2010/main" Requires="p14">
+  <mc:AlternateContent xmlns:mc="http://schemas.openxmlformats.org/markup-compatibility/2006" xmlns:p14="http://schemas.microsoft.com/office/powerpoint/2010/main">
+    <mc:Choice Requires="p14">
       <p:transition spd="med" p14:dur="700">
         <p:fade/>
       </p:transition>
     </mc:Choice>
-    <mc:Fallback>
+    <mc:Fallback xmlns="">
       <p:transition xmlns:p14="http://schemas.microsoft.com/office/powerpoint/2010/main" spd="med">
         <p:fade/>
       </p:transition>
@@ -8637,7 +10926,7 @@
           <a:p>
             <a:r>
               <a:rPr lang="en-US" dirty="0" smtClean="0"/>
-              <a:t>Unique features</a:t>
+              <a:t>Transparency</a:t>
             </a:r>
             <a:endParaRPr lang="en-US" dirty="0"/>
           </a:p>
@@ -8653,13 +10942,54 @@
             <p:ph idx="1"/>
           </p:nvPr>
         </p:nvSpPr>
-        <p:spPr/>
+        <p:spPr>
+          <a:xfrm>
+            <a:off x="0" y="1488142"/>
+            <a:ext cx="9144000" cy="1401382"/>
+          </a:xfrm>
+        </p:spPr>
         <p:txBody>
-          <a:bodyPr/>
+          <a:bodyPr>
+            <a:noAutofit/>
+          </a:bodyPr>
           <a:lstStyle/>
           <a:p>
             <a:r>
-              <a:rPr lang="en-US" dirty="0" smtClean="0">
+              <a:rPr lang="en-US" sz="2400" dirty="0">
+                <a:solidFill>
+                  <a:srgbClr val="FFFFFF"/>
+                </a:solidFill>
+              </a:rPr>
+              <a:t>Completely transparent to the café staff who create the menu PDFs </a:t>
+            </a:r>
+            <a:r>
+              <a:rPr lang="en-US" sz="2400" dirty="0" smtClean="0">
+                <a:solidFill>
+                  <a:srgbClr val="FFFFFF"/>
+                </a:solidFill>
+              </a:rPr>
+              <a:t>because </a:t>
+            </a:r>
+            <a:r>
+              <a:rPr lang="en-US" sz="2400" dirty="0">
+                <a:solidFill>
+                  <a:srgbClr val="FFFFFF"/>
+                </a:solidFill>
+              </a:rPr>
+              <a:t>we parse the PDFs to get the menu </a:t>
+            </a:r>
+            <a:r>
+              <a:rPr lang="en-US" sz="2400" dirty="0" smtClean="0">
+                <a:solidFill>
+                  <a:srgbClr val="FFFFFF"/>
+                </a:solidFill>
+              </a:rPr>
+              <a:t>data</a:t>
+            </a:r>
+          </a:p>
+          <a:p>
+            <a:r>
+              <a:rPr lang="en-US" sz="2400" dirty="0">
                 <a:solidFill>
                   <a:srgbClr val="FFFFFF"/>
                 </a:solidFill>
@@ -8668,38 +10998,171 @@
             </a:r>
           </a:p>
           <a:p>
-            <a:r>
-              <a:rPr lang="en-US" dirty="0" smtClean="0">
+            <a:endParaRPr lang="en-US" sz="2400" dirty="0">
+              <a:solidFill>
+                <a:srgbClr val="FFFFFF"/>
+              </a:solidFill>
+            </a:endParaRPr>
+          </a:p>
+          <a:p>
+            <a:pPr marL="0" indent="0">
+              <a:buNone/>
+            </a:pPr>
+            <a:endParaRPr lang="en-US" sz="2400" dirty="0" smtClean="0">
+              <a:solidFill>
+                <a:srgbClr val="FFFFFF"/>
+              </a:solidFill>
+            </a:endParaRPr>
+          </a:p>
+          <a:p>
+            <a:pPr marL="0" indent="0">
+              <a:buNone/>
+            </a:pPr>
+            <a:endParaRPr lang="en-US" sz="2400" dirty="0">
+              <a:solidFill>
+                <a:srgbClr val="FFFFFF"/>
+              </a:solidFill>
+            </a:endParaRPr>
+          </a:p>
+        </p:txBody>
+      </p:sp>
+      <p:pic>
+        <p:nvPicPr>
+          <p:cNvPr id="6" name="Picture 5" descr="Cafe_AA.jpg"/>
+          <p:cNvPicPr>
+            <a:picLocks noChangeAspect="1"/>
+          </p:cNvPicPr>
+          <p:nvPr/>
+        </p:nvPicPr>
+        <p:blipFill>
+          <a:blip r:embed="rId2">
+            <a:extLst>
+              <a:ext uri="{28A0092B-C50C-407E-A947-70E740481C1C}">
+                <a14:useLocalDpi xmlns:a14="http://schemas.microsoft.com/office/drawing/2010/main" val="0"/>
+              </a:ext>
+            </a:extLst>
+          </a:blip>
+          <a:stretch>
+            <a:fillRect/>
+          </a:stretch>
+        </p:blipFill>
+        <p:spPr>
+          <a:xfrm>
+            <a:off x="0" y="3965233"/>
+            <a:ext cx="4045815" cy="2018736"/>
+          </a:xfrm>
+          <a:prstGeom prst="rect">
+            <a:avLst/>
+          </a:prstGeom>
+        </p:spPr>
+      </p:pic>
+      <p:pic>
+        <p:nvPicPr>
+          <p:cNvPr id="8" name="Picture 7" descr="Screen Shot 2014-06-21 at 12.31.07 PM.png"/>
+          <p:cNvPicPr>
+            <a:picLocks noChangeAspect="1"/>
+          </p:cNvPicPr>
+          <p:nvPr/>
+        </p:nvPicPr>
+        <p:blipFill>
+          <a:blip r:embed="rId3">
+            <a:extLst>
+              <a:ext uri="{28A0092B-C50C-407E-A947-70E740481C1C}">
+                <a14:useLocalDpi xmlns:a14="http://schemas.microsoft.com/office/drawing/2010/main" val="0"/>
+              </a:ext>
+            </a:extLst>
+          </a:blip>
+          <a:stretch>
+            <a:fillRect/>
+          </a:stretch>
+        </p:blipFill>
+        <p:spPr>
+          <a:xfrm>
+            <a:off x="5420606" y="3984934"/>
+            <a:ext cx="3723394" cy="1999035"/>
+          </a:xfrm>
+          <a:prstGeom prst="rect">
+            <a:avLst/>
+          </a:prstGeom>
+        </p:spPr>
+      </p:pic>
+      <p:sp>
+        <p:nvSpPr>
+          <p:cNvPr id="9" name="TextBox 8"/>
+          <p:cNvSpPr txBox="1"/>
+          <p:nvPr/>
+        </p:nvSpPr>
+        <p:spPr>
+          <a:xfrm>
+            <a:off x="248772" y="3503568"/>
+            <a:ext cx="3705390" cy="461665"/>
+          </a:xfrm>
+          <a:prstGeom prst="rect">
+            <a:avLst/>
+          </a:prstGeom>
+          <a:noFill/>
+        </p:spPr>
+        <p:txBody>
+          <a:bodyPr wrap="square" rtlCol="0">
+            <a:spAutoFit/>
+          </a:bodyPr>
+          <a:lstStyle/>
+          <a:p>
+            <a:r>
+              <a:rPr lang="en-US" sz="2400" dirty="0" smtClean="0">
+                <a:solidFill>
+                  <a:schemeClr val="bg1"/>
+                </a:solidFill>
+              </a:rPr>
+              <a:t>PDF from go/</a:t>
+            </a:r>
+            <a:r>
+              <a:rPr lang="en-US" sz="2400" dirty="0" err="1" smtClean="0">
+                <a:solidFill>
+                  <a:schemeClr val="bg1"/>
+                </a:solidFill>
+              </a:rPr>
+              <a:t>cafemenu</a:t>
+            </a:r>
+            <a:endParaRPr lang="en-US" sz="2400" dirty="0">
+              <a:solidFill>
+                <a:schemeClr val="bg1"/>
+              </a:solidFill>
+            </a:endParaRPr>
+          </a:p>
+        </p:txBody>
+      </p:sp>
+      <p:sp>
+        <p:nvSpPr>
+          <p:cNvPr id="10" name="TextBox 9"/>
+          <p:cNvSpPr txBox="1"/>
+          <p:nvPr/>
+        </p:nvSpPr>
+        <p:spPr>
+          <a:xfrm>
+            <a:off x="5420606" y="3503568"/>
+            <a:ext cx="3605167" cy="461665"/>
+          </a:xfrm>
+          <a:prstGeom prst="rect">
+            <a:avLst/>
+          </a:prstGeom>
+          <a:noFill/>
+        </p:spPr>
+        <p:txBody>
+          <a:bodyPr wrap="square" rtlCol="0">
+            <a:spAutoFit/>
+          </a:bodyPr>
+          <a:lstStyle/>
+          <a:p>
+            <a:r>
+              <a:rPr lang="en-US" sz="2400" dirty="0" smtClean="0">
                 <a:solidFill>
                   <a:srgbClr val="FFFFFF"/>
                 </a:solidFill>
               </a:rPr>
-              <a:t>Web app that still gives a native app environment </a:t>
-            </a:r>
-          </a:p>
-          <a:p>
-            <a:r>
-              <a:rPr lang="en-US" dirty="0">
-                <a:solidFill>
-                  <a:srgbClr val="FFFFFF"/>
-                </a:solidFill>
-              </a:rPr>
-              <a:t>C</a:t>
-            </a:r>
-            <a:r>
-              <a:rPr lang="en-US" dirty="0" smtClean="0">
-                <a:solidFill>
-                  <a:srgbClr val="FFFFFF"/>
-                </a:solidFill>
-              </a:rPr>
-              <a:t>ompletely transparent to the café staff who create the menu PDFs as we parse the PDFs to get the menu data</a:t>
-            </a:r>
-          </a:p>
-          <a:p>
-            <a:pPr marL="0" indent="0">
-              <a:buNone/>
-            </a:pPr>
-            <a:endParaRPr lang="en-US" dirty="0">
+              <a:t>Firebase Database layout</a:t>
+            </a:r>
+            <a:endParaRPr lang="en-US" sz="2400" dirty="0">
               <a:solidFill>
                 <a:srgbClr val="FFFFFF"/>
               </a:solidFill>
@@ -8707,6 +11170,28 @@
           </a:p>
         </p:txBody>
       </p:sp>
+      <p:graphicFrame>
+        <p:nvGraphicFramePr>
+          <p:cNvPr id="11" name="Diagram 10"/>
+          <p:cNvGraphicFramePr/>
+          <p:nvPr>
+            <p:extLst>
+              <p:ext uri="{D42A27DB-BD31-4B8C-83A1-F6EECF244321}">
+                <p14:modId xmlns:p14="http://schemas.microsoft.com/office/powerpoint/2010/main" val="1012365084"/>
+              </p:ext>
+            </p:extLst>
+          </p:nvPr>
+        </p:nvGraphicFramePr>
+        <p:xfrm>
+          <a:off x="4045815" y="4647431"/>
+          <a:ext cx="1316138" cy="1083768"/>
+        </p:xfrm>
+        <a:graphic>
+          <a:graphicData uri="http://schemas.openxmlformats.org/drawingml/2006/diagram">
+            <dgm:relIds xmlns:dgm="http://schemas.openxmlformats.org/drawingml/2006/diagram" xmlns:r="http://schemas.openxmlformats.org/officeDocument/2006/relationships" r:dm="rId4" r:lo="rId5" r:qs="rId6" r:cs="rId7"/>
+          </a:graphicData>
+        </a:graphic>
+      </p:graphicFrame>
     </p:spTree>
     <p:extLst>
       <p:ext uri="{BB962C8B-B14F-4D97-AF65-F5344CB8AC3E}">
@@ -8717,6 +11202,18 @@
   <p:clrMapOvr>
     <a:masterClrMapping/>
   </p:clrMapOvr>
+  <mc:AlternateContent xmlns:mc="http://schemas.openxmlformats.org/markup-compatibility/2006">
+    <mc:Choice xmlns:p14="http://schemas.microsoft.com/office/powerpoint/2010/main" Requires="p14">
+      <p:transition spd="med" p14:dur="700">
+        <p:fade/>
+      </p:transition>
+    </mc:Choice>
+    <mc:Fallback>
+      <p:transition xmlns:p14="http://schemas.microsoft.com/office/powerpoint/2010/main" spd="med">
+        <p:fade/>
+      </p:transition>
+    </mc:Fallback>
+  </mc:AlternateContent>
   <p:timing>
     <p:tnLst>
       <p:par>
@@ -8777,7 +11274,12 @@
             <p:ph idx="1"/>
           </p:nvPr>
         </p:nvSpPr>
-        <p:spPr/>
+        <p:spPr>
+          <a:xfrm>
+            <a:off x="739775" y="1951012"/>
+            <a:ext cx="7662864" cy="4086252"/>
+          </a:xfrm>
+        </p:spPr>
         <p:txBody>
           <a:bodyPr>
             <a:normAutofit/>
@@ -8840,6 +11342,18 @@
   <p:clrMapOvr>
     <a:masterClrMapping/>
   </p:clrMapOvr>
+  <mc:AlternateContent xmlns:mc="http://schemas.openxmlformats.org/markup-compatibility/2006">
+    <mc:Choice xmlns:p14="http://schemas.microsoft.com/office/powerpoint/2010/main" Requires="p14">
+      <p:transition spd="med" p14:dur="700">
+        <p:fade/>
+      </p:transition>
+    </mc:Choice>
+    <mc:Fallback>
+      <p:transition xmlns:p14="http://schemas.microsoft.com/office/powerpoint/2010/main" spd="med">
+        <p:fade/>
+      </p:transition>
+    </mc:Fallback>
+  </mc:AlternateContent>
   <p:timing>
     <p:tnLst>
       <p:par>
